--- a/perbaikanONLINE COMPANY EXPENSE RECORDING WEBSITE BASED ON MULTI-COMPANY.pptx
+++ b/perbaikanONLINE COMPANY EXPENSE RECORDING WEBSITE BASED ON MULTI-COMPANY.pptx
@@ -22,7 +22,11 @@
     <p:sldId id="327" r:id="rId19"/>
     <p:sldId id="328" r:id="rId20"/>
     <p:sldId id="336" r:id="rId21"/>
-    <p:sldId id="331" r:id="rId22"/>
+    <p:sldId id="337" r:id="rId22"/>
+    <p:sldId id="338" r:id="rId23"/>
+    <p:sldId id="339" r:id="rId24"/>
+    <p:sldId id="340" r:id="rId25"/>
+    <p:sldId id="331" r:id="rId26"/>
   </p:sldIdLst>
   <p:sldSz cx="12192000" cy="6858000"/>
   <p:notesSz cx="6858000" cy="9144000"/>
@@ -373,7 +377,7 @@
           <a:p>
             <a:fld id="{9184DA70-C731-4C70-880D-CCD4705E623C}" type="datetime1">
               <a:rPr lang="en-US" smtClean="0"/>
-              <a:t>10/21/2024</a:t>
+              <a:t>10/31/2024</a:t>
             </a:fld>
             <a:endParaRPr lang="en-US" dirty="0"/>
           </a:p>
@@ -561,7 +565,7 @@
           <a:p>
             <a:fld id="{4BE1D723-8F53-4F53-90B0-1982A396982E}" type="datetime1">
               <a:rPr lang="en-US" smtClean="0"/>
-              <a:t>10/21/2024</a:t>
+              <a:t>10/31/2024</a:t>
             </a:fld>
             <a:endParaRPr lang="en-US" dirty="0"/>
           </a:p>
@@ -934,7 +938,7 @@
           <a:p>
             <a:fld id="{97669AF7-7BEB-44E4-9852-375E34362B5B}" type="datetime1">
               <a:rPr lang="en-US" smtClean="0"/>
-              <a:t>10/21/2024</a:t>
+              <a:t>10/31/2024</a:t>
             </a:fld>
             <a:endParaRPr lang="en-US" dirty="0"/>
           </a:p>
@@ -1189,7 +1193,7 @@
           <a:p>
             <a:fld id="{BAAAC38D-0552-4C82-B593-E6124DFADBE2}" type="datetime1">
               <a:rPr lang="en-US" smtClean="0"/>
-              <a:t>10/21/2024</a:t>
+              <a:t>10/31/2024</a:t>
             </a:fld>
             <a:endParaRPr lang="en-US" dirty="0"/>
           </a:p>
@@ -1586,7 +1590,7 @@
           <a:p>
             <a:fld id="{D9DF0F1C-5577-4ACB-BB62-DF8F3C494C7E}" type="datetime1">
               <a:rPr lang="en-US" smtClean="0"/>
-              <a:t>10/21/2024</a:t>
+              <a:t>10/31/2024</a:t>
             </a:fld>
             <a:endParaRPr lang="en-US" dirty="0"/>
           </a:p>
@@ -1722,7 +1726,7 @@
           <a:p>
             <a:fld id="{1775B394-D9F9-4F0C-B15D-605F45CB9E9F}" type="datetime1">
               <a:rPr lang="en-US" smtClean="0"/>
-              <a:t>10/21/2024</a:t>
+              <a:t>10/31/2024</a:t>
             </a:fld>
             <a:endParaRPr lang="en-US" dirty="0"/>
           </a:p>
@@ -1879,7 +1883,7 @@
           <a:p>
             <a:fld id="{39667345-2558-425A-8533-9BFDBCE15005}" type="datetime1">
               <a:rPr lang="en-US" smtClean="0"/>
-              <a:t>10/21/2024</a:t>
+              <a:t>10/31/2024</a:t>
             </a:fld>
             <a:endParaRPr lang="en-US" dirty="0"/>
           </a:p>
@@ -2208,7 +2212,7 @@
           <a:p>
             <a:fld id="{92BEA474-078D-4E9B-9B14-09A87B19DC46}" type="datetime1">
               <a:rPr lang="en-US" smtClean="0"/>
-              <a:t>10/21/2024</a:t>
+              <a:t>10/31/2024</a:t>
             </a:fld>
             <a:endParaRPr lang="en-US" dirty="0"/>
           </a:p>
@@ -2558,7 +2562,7 @@
           <a:p>
             <a:fld id="{4907D986-8816-4272-A432-0437A28A9828}" type="datetime1">
               <a:rPr lang="en-US" smtClean="0"/>
-              <a:t>10/21/2024</a:t>
+              <a:t>10/31/2024</a:t>
             </a:fld>
             <a:endParaRPr lang="en-US" dirty="0"/>
           </a:p>
@@ -2819,7 +2823,7 @@
           <a:p>
             <a:fld id="{62D6E202-B606-4609-B914-27C9371A1F6D}" type="datetime1">
               <a:rPr lang="en-US" smtClean="0"/>
-              <a:t>10/21/2024</a:t>
+              <a:t>10/31/2024</a:t>
             </a:fld>
             <a:endParaRPr lang="en-US" dirty="0"/>
           </a:p>
@@ -4958,185 +4962,244 @@
           <p:cNvPr id="2" name="Title 1">
             <a:extLst>
               <a:ext uri="{FF2B5EF4-FFF2-40B4-BE49-F238E27FC236}">
-                <a16:creationId xmlns:a16="http://schemas.microsoft.com/office/drawing/2014/main" id="{4010AF38-26DF-48B3-952C-4A9091D6863C}"/>
-              </a:ext>
-            </a:extLst>
-          </p:cNvPr>
-          <p:cNvSpPr>
-            <a:spLocks noGrp="1"/>
-          </p:cNvSpPr>
-          <p:nvPr>
-            <p:ph type="ctrTitle"/>
-          </p:nvPr>
-        </p:nvSpPr>
-        <p:spPr>
-          <a:xfrm>
-            <a:off x="648929" y="639097"/>
-            <a:ext cx="6253317" cy="3686015"/>
-          </a:xfrm>
-        </p:spPr>
+                <a16:creationId xmlns:a16="http://schemas.microsoft.com/office/drawing/2014/main" id="{CF5B6521-E02D-FDEB-FA78-2726EAE3BD75}"/>
+              </a:ext>
+            </a:extLst>
+          </p:cNvPr>
+          <p:cNvSpPr>
+            <a:spLocks noGrp="1"/>
+          </p:cNvSpPr>
+          <p:nvPr>
+            <p:ph type="title"/>
+          </p:nvPr>
+        </p:nvSpPr>
+        <p:spPr/>
+        <p:txBody>
+          <a:bodyPr/>
+          <a:lstStyle/>
+          <a:p>
+            <a:r>
+              <a:rPr lang="en-GB" dirty="0"/>
+              <a:t>Main Feature</a:t>
+            </a:r>
+            <a:endParaRPr lang="en-ID" dirty="0"/>
+          </a:p>
+        </p:txBody>
+      </p:sp>
+      <p:sp>
+        <p:nvSpPr>
+          <p:cNvPr id="4" name="Content Placeholder 3">
+            <a:extLst>
+              <a:ext uri="{FF2B5EF4-FFF2-40B4-BE49-F238E27FC236}">
+                <a16:creationId xmlns:a16="http://schemas.microsoft.com/office/drawing/2014/main" id="{8A78B8A3-FDE9-2FCD-D4CB-32F069525950}"/>
+              </a:ext>
+            </a:extLst>
+          </p:cNvPr>
+          <p:cNvSpPr>
+            <a:spLocks noGrp="1"/>
+          </p:cNvSpPr>
+          <p:nvPr>
+            <p:ph sz="half" idx="1"/>
+          </p:nvPr>
+        </p:nvSpPr>
+        <p:spPr/>
         <p:txBody>
           <a:bodyPr>
-            <a:noAutofit/>
+            <a:normAutofit/>
           </a:bodyPr>
           <a:lstStyle/>
           <a:p>
             <a:r>
-              <a:rPr lang="en-GB" sz="4400" dirty="0"/>
-              <a:t>Thank you</a:t>
-            </a:r>
-            <a:endParaRPr lang="en-US" sz="4400" dirty="0"/>
-          </a:p>
-        </p:txBody>
-      </p:sp>
-      <p:sp>
-        <p:nvSpPr>
-          <p:cNvPr id="3" name="Subtitle 2">
-            <a:extLst>
-              <a:ext uri="{FF2B5EF4-FFF2-40B4-BE49-F238E27FC236}">
-                <a16:creationId xmlns:a16="http://schemas.microsoft.com/office/drawing/2014/main" id="{37FC2D8F-56D2-4ADF-B439-0E09E7C37894}"/>
-              </a:ext>
-            </a:extLst>
-          </p:cNvPr>
-          <p:cNvSpPr>
-            <a:spLocks noGrp="1"/>
-          </p:cNvSpPr>
-          <p:nvPr>
-            <p:ph type="subTitle" idx="1"/>
-          </p:nvPr>
-        </p:nvSpPr>
-        <p:spPr>
-          <a:xfrm>
-            <a:off x="632899" y="4672738"/>
-            <a:ext cx="6269347" cy="1546155"/>
-          </a:xfrm>
-        </p:spPr>
+              <a:rPr lang="en-GB" sz="2400" dirty="0"/>
+              <a:t>1.Employee Salaries</a:t>
+            </a:r>
+          </a:p>
+          <a:p>
+            <a:r>
+              <a:rPr lang="en-GB" sz="2400" dirty="0"/>
+              <a:t>2.Account Records</a:t>
+            </a:r>
+          </a:p>
+          <a:p>
+            <a:r>
+              <a:rPr lang="en-GB" sz="2400" dirty="0"/>
+              <a:t>3.Future Records</a:t>
+            </a:r>
+          </a:p>
+          <a:p>
+            <a:r>
+              <a:rPr lang="en-GB" sz="2400" dirty="0"/>
+              <a:t>4.Project Operational Costs</a:t>
+            </a:r>
+          </a:p>
+          <a:p>
+            <a:r>
+              <a:rPr lang="en-GB" sz="2400" dirty="0"/>
+              <a:t>5.Personal Expenses</a:t>
+            </a:r>
+          </a:p>
+          <a:p>
+            <a:r>
+              <a:rPr lang="en-GB" sz="2400" dirty="0"/>
+              <a:t>6.Miscellaneous Expenses</a:t>
+            </a:r>
+          </a:p>
+        </p:txBody>
+      </p:sp>
+      <p:sp>
+        <p:nvSpPr>
+          <p:cNvPr id="5" name="Content Placeholder 4">
+            <a:extLst>
+              <a:ext uri="{FF2B5EF4-FFF2-40B4-BE49-F238E27FC236}">
+                <a16:creationId xmlns:a16="http://schemas.microsoft.com/office/drawing/2014/main" id="{91725647-5CBB-07AB-BF87-DA31BE1C2C69}"/>
+              </a:ext>
+            </a:extLst>
+          </p:cNvPr>
+          <p:cNvSpPr>
+            <a:spLocks noGrp="1"/>
+          </p:cNvSpPr>
+          <p:nvPr>
+            <p:ph sz="half" idx="2"/>
+          </p:nvPr>
+        </p:nvSpPr>
+        <p:spPr/>
         <p:txBody>
           <a:bodyPr>
-            <a:normAutofit fontScale="85000" lnSpcReduction="10000"/>
+            <a:normAutofit/>
           </a:bodyPr>
           <a:lstStyle/>
           <a:p>
             <a:r>
-              <a:rPr lang="en-US" sz="2400" dirty="0" err="1">
-                <a:solidFill>
-                  <a:schemeClr val="tx1">
-                    <a:lumMod val="85000"/>
-                    <a:lumOff val="15000"/>
-                  </a:schemeClr>
-                </a:solidFill>
-              </a:rPr>
-              <a:t>Brevalda</a:t>
-            </a:r>
-            <a:r>
-              <a:rPr lang="en-US" sz="2400" dirty="0">
-                <a:solidFill>
-                  <a:schemeClr val="tx1">
-                    <a:lumMod val="85000"/>
-                    <a:lumOff val="15000"/>
-                  </a:schemeClr>
-                </a:solidFill>
-              </a:rPr>
-              <a:t> </a:t>
-            </a:r>
-            <a:r>
-              <a:rPr lang="en-US" sz="2400" dirty="0" err="1">
-                <a:solidFill>
-                  <a:schemeClr val="tx1">
-                    <a:lumMod val="85000"/>
-                    <a:lumOff val="15000"/>
-                  </a:schemeClr>
-                </a:solidFill>
-              </a:rPr>
-              <a:t>Resnu</a:t>
-            </a:r>
-            <a:r>
-              <a:rPr lang="en-US" sz="2400" dirty="0">
-                <a:solidFill>
-                  <a:schemeClr val="tx1">
-                    <a:lumMod val="85000"/>
-                    <a:lumOff val="15000"/>
-                  </a:schemeClr>
-                </a:solidFill>
-              </a:rPr>
-              <a:t> Putra </a:t>
-            </a:r>
-            <a:r>
-              <a:rPr lang="en-US" sz="2400" dirty="0" err="1">
-                <a:solidFill>
-                  <a:schemeClr val="tx1">
-                    <a:lumMod val="85000"/>
-                    <a:lumOff val="15000"/>
-                  </a:schemeClr>
-                </a:solidFill>
-              </a:rPr>
-              <a:t>Kaltanda</a:t>
-            </a:r>
-            <a:endParaRPr lang="en-US" sz="2400" dirty="0">
-              <a:solidFill>
-                <a:schemeClr val="tx1">
-                  <a:lumMod val="85000"/>
-                  <a:lumOff val="15000"/>
-                </a:schemeClr>
-              </a:solidFill>
-            </a:endParaRPr>
-          </a:p>
-          <a:p>
-            <a:r>
-              <a:rPr lang="en-US" dirty="0">
-                <a:solidFill>
-                  <a:schemeClr val="tx1">
-                    <a:lumMod val="85000"/>
-                    <a:lumOff val="15000"/>
-                  </a:schemeClr>
-                </a:solidFill>
-              </a:rPr>
-              <a:t>218180412</a:t>
-            </a:r>
-          </a:p>
-          <a:p>
-            <a:r>
-              <a:rPr lang="en-US" sz="2400" dirty="0">
-                <a:solidFill>
-                  <a:schemeClr val="tx1">
-                    <a:lumMod val="85000"/>
-                    <a:lumOff val="15000"/>
-                  </a:schemeClr>
-                </a:solidFill>
-              </a:rPr>
-              <a:t>S1 – system information and </a:t>
-            </a:r>
-            <a:r>
-              <a:rPr lang="en-US" sz="2400" dirty="0" err="1">
-                <a:solidFill>
-                  <a:schemeClr val="tx1">
-                    <a:lumMod val="85000"/>
-                    <a:lumOff val="15000"/>
-                  </a:schemeClr>
-                </a:solidFill>
-              </a:rPr>
-              <a:t>bussiness</a:t>
-            </a:r>
-            <a:endParaRPr lang="en-US" sz="2400" dirty="0">
-              <a:solidFill>
-                <a:schemeClr val="tx1">
-                  <a:lumMod val="85000"/>
-                  <a:lumOff val="15000"/>
-                </a:schemeClr>
-              </a:solidFill>
-            </a:endParaRPr>
+              <a:rPr lang="en-GB" sz="2400" dirty="0"/>
+              <a:t>7.Non-budgeted Operational Costs</a:t>
+            </a:r>
+          </a:p>
+          <a:p>
+            <a:r>
+              <a:rPr lang="en-GB" sz="2400" dirty="0"/>
+              <a:t>8.Operational Reports</a:t>
+            </a:r>
+          </a:p>
+          <a:p>
+            <a:r>
+              <a:rPr lang="en-GB" sz="2400" dirty="0"/>
+              <a:t>9.Project Operational Reports</a:t>
+            </a:r>
+          </a:p>
+          <a:p>
+            <a:r>
+              <a:rPr lang="en-GB" sz="2400" dirty="0"/>
+              <a:t>10.Personal Expense Reports</a:t>
+            </a:r>
+          </a:p>
+          <a:p>
+            <a:r>
+              <a:rPr lang="en-GB" sz="2400" dirty="0"/>
+              <a:t>11.Miscellaneous Expense Reports</a:t>
+            </a:r>
+          </a:p>
+          <a:p>
+            <a:r>
+              <a:rPr lang="en-GB" sz="2400" dirty="0"/>
+              <a:t>12.Overall Reports</a:t>
+            </a:r>
+            <a:endParaRPr lang="en-ID" sz="2400" dirty="0"/>
+          </a:p>
+          <a:p>
+            <a:endParaRPr lang="en-ID" dirty="0"/>
+          </a:p>
+        </p:txBody>
+      </p:sp>
+    </p:spTree>
+    <p:extLst>
+      <p:ext uri="{BB962C8B-B14F-4D97-AF65-F5344CB8AC3E}">
+        <p14:creationId xmlns:p14="http://schemas.microsoft.com/office/powerpoint/2010/main" val="3577630127"/>
+      </p:ext>
+    </p:extLst>
+  </p:cSld>
+  <p:clrMapOvr>
+    <a:masterClrMapping/>
+  </p:clrMapOvr>
+</p:sld>
+</file>
+
+<file path=ppt/slides/slide19.xml><?xml version="1.0" encoding="utf-8"?>
+<p:sld xmlns:a="http://schemas.openxmlformats.org/drawingml/2006/main" xmlns:r="http://schemas.openxmlformats.org/officeDocument/2006/relationships" xmlns:p="http://schemas.openxmlformats.org/presentationml/2006/main">
+  <p:cSld>
+    <p:spTree>
+      <p:nvGrpSpPr>
+        <p:cNvPr id="1" name=""/>
+        <p:cNvGrpSpPr/>
+        <p:nvPr/>
+      </p:nvGrpSpPr>
+      <p:grpSpPr>
+        <a:xfrm>
+          <a:off x="0" y="0"/>
+          <a:ext cx="0" cy="0"/>
+          <a:chOff x="0" y="0"/>
+          <a:chExt cx="0" cy="0"/>
+        </a:xfrm>
+      </p:grpSpPr>
+      <p:sp>
+        <p:nvSpPr>
+          <p:cNvPr id="5" name="Title 4">
+            <a:extLst>
+              <a:ext uri="{FF2B5EF4-FFF2-40B4-BE49-F238E27FC236}">
+                <a16:creationId xmlns:a16="http://schemas.microsoft.com/office/drawing/2014/main" id="{835843CC-45D2-9891-5D4B-E37DED614486}"/>
+              </a:ext>
+            </a:extLst>
+          </p:cNvPr>
+          <p:cNvSpPr>
+            <a:spLocks noGrp="1"/>
+          </p:cNvSpPr>
+          <p:nvPr>
+            <p:ph type="title"/>
+          </p:nvPr>
+        </p:nvSpPr>
+        <p:spPr/>
+        <p:txBody>
+          <a:bodyPr/>
+          <a:lstStyle/>
+          <a:p>
+            <a:r>
+              <a:rPr lang="en-GB" dirty="0"/>
+              <a:t>Testing, How helpful this website?</a:t>
+            </a:r>
+            <a:endParaRPr lang="en-ID" dirty="0"/>
+          </a:p>
+        </p:txBody>
+      </p:sp>
+      <p:sp>
+        <p:nvSpPr>
+          <p:cNvPr id="6" name="Content Placeholder 5">
+            <a:extLst>
+              <a:ext uri="{FF2B5EF4-FFF2-40B4-BE49-F238E27FC236}">
+                <a16:creationId xmlns:a16="http://schemas.microsoft.com/office/drawing/2014/main" id="{C8FE9CEF-89B8-B6BE-BF4A-574A78043963}"/>
+              </a:ext>
+            </a:extLst>
+          </p:cNvPr>
+          <p:cNvSpPr>
+            <a:spLocks noGrp="1"/>
+          </p:cNvSpPr>
+          <p:nvPr>
+            <p:ph idx="1"/>
+          </p:nvPr>
+        </p:nvSpPr>
+        <p:spPr/>
+        <p:txBody>
+          <a:bodyPr/>
+          <a:lstStyle/>
+          <a:p>
+            <a:endParaRPr lang="en-ID" dirty="0"/>
           </a:p>
         </p:txBody>
       </p:sp>
       <p:pic>
         <p:nvPicPr>
-          <p:cNvPr id="6" name="Picture 5">
-            <a:extLst>
-              <a:ext uri="{FF2B5EF4-FFF2-40B4-BE49-F238E27FC236}">
-                <a16:creationId xmlns:a16="http://schemas.microsoft.com/office/drawing/2014/main" id="{308AC96E-AA33-4309-B51D-072F59E6EC0B}"/>
-              </a:ext>
-              <a:ext uri="{C183D7F6-B498-43B3-948B-1728B52AA6E4}">
-                <adec:decorative xmlns:adec="http://schemas.microsoft.com/office/drawing/2017/decorative" val="1"/>
+          <p:cNvPr id="7" name="Picture 6" descr="Forms response chart. Question title: seberapa membantu website ini ? . Number of responses: 10 responses.">
+            <a:extLst>
+              <a:ext uri="{FF2B5EF4-FFF2-40B4-BE49-F238E27FC236}">
+                <a16:creationId xmlns:a16="http://schemas.microsoft.com/office/drawing/2014/main" id="{A79FAF99-95CB-9291-4F55-B7E5813A9D44}"/>
               </a:ext>
             </a:extLst>
           </p:cNvPr>
@@ -5146,30 +5209,39 @@
           <p:nvPr/>
         </p:nvPicPr>
         <p:blipFill rotWithShape="1">
-          <a:blip r:embed="rId2">
+          <a:blip r:embed="rId2" cstate="print">
             <a:extLst>
               <a:ext uri="{28A0092B-C50C-407E-A947-70E740481C1C}">
                 <a14:useLocalDpi xmlns:a14="http://schemas.microsoft.com/office/drawing/2010/main" val="0"/>
               </a:ext>
             </a:extLst>
           </a:blip>
-          <a:srcRect/>
+          <a:srcRect b="14944"/>
           <a:stretch/>
         </p:blipFill>
-        <p:spPr>
+        <p:spPr bwMode="auto">
           <a:xfrm>
-            <a:off x="7556686" y="1"/>
-            <a:ext cx="4635315" cy="6857999"/>
+            <a:off x="1097281" y="1940778"/>
+            <a:ext cx="10058399" cy="4067455"/>
           </a:xfrm>
           <a:prstGeom prst="rect">
             <a:avLst/>
           </a:prstGeom>
+          <a:noFill/>
+          <a:ln>
+            <a:noFill/>
+          </a:ln>
+          <a:extLst>
+            <a:ext uri="{53640926-AAD7-44D8-BBD7-CCE9431645EC}">
+              <a14:shadowObscured xmlns:a14="http://schemas.microsoft.com/office/drawing/2010/main"/>
+            </a:ext>
+          </a:extLst>
         </p:spPr>
       </p:pic>
     </p:spTree>
     <p:extLst>
       <p:ext uri="{BB962C8B-B14F-4D97-AF65-F5344CB8AC3E}">
-        <p14:creationId xmlns:p14="http://schemas.microsoft.com/office/powerpoint/2010/main" val="2809882935"/>
+        <p14:creationId xmlns:p14="http://schemas.microsoft.com/office/powerpoint/2010/main" val="422181721"/>
       </p:ext>
     </p:extLst>
   </p:cSld>
@@ -5299,6 +5371,475 @@
     <p:extLst>
       <p:ext uri="{BB962C8B-B14F-4D97-AF65-F5344CB8AC3E}">
         <p14:creationId xmlns:p14="http://schemas.microsoft.com/office/powerpoint/2010/main" val="2973719738"/>
+      </p:ext>
+    </p:extLst>
+  </p:cSld>
+  <p:clrMapOvr>
+    <a:masterClrMapping/>
+  </p:clrMapOvr>
+</p:sld>
+</file>
+
+<file path=ppt/slides/slide20.xml><?xml version="1.0" encoding="utf-8"?>
+<p:sld xmlns:a="http://schemas.openxmlformats.org/drawingml/2006/main" xmlns:r="http://schemas.openxmlformats.org/officeDocument/2006/relationships" xmlns:p="http://schemas.openxmlformats.org/presentationml/2006/main">
+  <p:cSld>
+    <p:spTree>
+      <p:nvGrpSpPr>
+        <p:cNvPr id="1" name=""/>
+        <p:cNvGrpSpPr/>
+        <p:nvPr/>
+      </p:nvGrpSpPr>
+      <p:grpSpPr>
+        <a:xfrm>
+          <a:off x="0" y="0"/>
+          <a:ext cx="0" cy="0"/>
+          <a:chOff x="0" y="0"/>
+          <a:chExt cx="0" cy="0"/>
+        </a:xfrm>
+      </p:grpSpPr>
+      <p:sp>
+        <p:nvSpPr>
+          <p:cNvPr id="2" name="Title 1">
+            <a:extLst>
+              <a:ext uri="{FF2B5EF4-FFF2-40B4-BE49-F238E27FC236}">
+                <a16:creationId xmlns:a16="http://schemas.microsoft.com/office/drawing/2014/main" id="{BA667E69-F2DA-109F-18E1-12CAA34C3C18}"/>
+              </a:ext>
+            </a:extLst>
+          </p:cNvPr>
+          <p:cNvSpPr>
+            <a:spLocks noGrp="1"/>
+          </p:cNvSpPr>
+          <p:nvPr>
+            <p:ph type="title"/>
+          </p:nvPr>
+        </p:nvSpPr>
+        <p:spPr/>
+        <p:txBody>
+          <a:bodyPr/>
+          <a:lstStyle/>
+          <a:p>
+            <a:br>
+              <a:rPr lang="en-GB" dirty="0"/>
+            </a:br>
+            <a:r>
+              <a:rPr lang="en-GB" b="0" i="0" dirty="0">
+                <a:solidFill>
+                  <a:srgbClr val="1F1F1F"/>
+                </a:solidFill>
+                <a:effectLst/>
+                <a:latin typeface="Arial" panose="020B0604020202020204" pitchFamily="34" charset="0"/>
+              </a:rPr>
+              <a:t>Which features are most helpful?</a:t>
+            </a:r>
+            <a:endParaRPr lang="en-ID" dirty="0"/>
+          </a:p>
+        </p:txBody>
+      </p:sp>
+      <p:pic>
+        <p:nvPicPr>
+          <p:cNvPr id="4" name="Content Placeholder 3" descr="Forms response chart. Question title: pilih yang mana saja fitur pada website ini yang paling membantu . Number of responses: 10 responses.">
+            <a:extLst>
+              <a:ext uri="{FF2B5EF4-FFF2-40B4-BE49-F238E27FC236}">
+                <a16:creationId xmlns:a16="http://schemas.microsoft.com/office/drawing/2014/main" id="{DE2C39E9-A826-C4FC-444F-D70576861A6E}"/>
+              </a:ext>
+            </a:extLst>
+          </p:cNvPr>
+          <p:cNvPicPr>
+            <a:picLocks noGrp="1" noChangeAspect="1"/>
+          </p:cNvPicPr>
+          <p:nvPr>
+            <p:ph idx="1"/>
+          </p:nvPr>
+        </p:nvPicPr>
+        <p:blipFill rotWithShape="1">
+          <a:blip r:embed="rId2" cstate="print">
+            <a:extLst>
+              <a:ext uri="{28A0092B-C50C-407E-A947-70E740481C1C}">
+                <a14:useLocalDpi xmlns:a14="http://schemas.microsoft.com/office/drawing/2010/main" val="0"/>
+              </a:ext>
+            </a:extLst>
+          </a:blip>
+          <a:srcRect b="10827"/>
+          <a:stretch/>
+        </p:blipFill>
+        <p:spPr bwMode="auto">
+          <a:xfrm>
+            <a:off x="1603717" y="1737360"/>
+            <a:ext cx="8984566" cy="4467870"/>
+          </a:xfrm>
+          <a:prstGeom prst="rect">
+            <a:avLst/>
+          </a:prstGeom>
+          <a:noFill/>
+          <a:ln>
+            <a:noFill/>
+          </a:ln>
+          <a:extLst>
+            <a:ext uri="{53640926-AAD7-44D8-BBD7-CCE9431645EC}">
+              <a14:shadowObscured xmlns:a14="http://schemas.microsoft.com/office/drawing/2010/main"/>
+            </a:ext>
+          </a:extLst>
+        </p:spPr>
+      </p:pic>
+    </p:spTree>
+    <p:extLst>
+      <p:ext uri="{BB962C8B-B14F-4D97-AF65-F5344CB8AC3E}">
+        <p14:creationId xmlns:p14="http://schemas.microsoft.com/office/powerpoint/2010/main" val="1262098874"/>
+      </p:ext>
+    </p:extLst>
+  </p:cSld>
+  <p:clrMapOvr>
+    <a:masterClrMapping/>
+  </p:clrMapOvr>
+</p:sld>
+</file>
+
+<file path=ppt/slides/slide21.xml><?xml version="1.0" encoding="utf-8"?>
+<p:sld xmlns:a="http://schemas.openxmlformats.org/drawingml/2006/main" xmlns:r="http://schemas.openxmlformats.org/officeDocument/2006/relationships" xmlns:p="http://schemas.openxmlformats.org/presentationml/2006/main">
+  <p:cSld>
+    <p:spTree>
+      <p:nvGrpSpPr>
+        <p:cNvPr id="1" name=""/>
+        <p:cNvGrpSpPr/>
+        <p:nvPr/>
+      </p:nvGrpSpPr>
+      <p:grpSpPr>
+        <a:xfrm>
+          <a:off x="0" y="0"/>
+          <a:ext cx="0" cy="0"/>
+          <a:chOff x="0" y="0"/>
+          <a:chExt cx="0" cy="0"/>
+        </a:xfrm>
+      </p:grpSpPr>
+      <p:sp>
+        <p:nvSpPr>
+          <p:cNvPr id="2" name="Title 1">
+            <a:extLst>
+              <a:ext uri="{FF2B5EF4-FFF2-40B4-BE49-F238E27FC236}">
+                <a16:creationId xmlns:a16="http://schemas.microsoft.com/office/drawing/2014/main" id="{7F56B419-9D54-8AEC-207E-F1D78A57E736}"/>
+              </a:ext>
+            </a:extLst>
+          </p:cNvPr>
+          <p:cNvSpPr>
+            <a:spLocks noGrp="1"/>
+          </p:cNvSpPr>
+          <p:nvPr>
+            <p:ph type="title"/>
+          </p:nvPr>
+        </p:nvSpPr>
+        <p:spPr/>
+        <p:txBody>
+          <a:bodyPr/>
+          <a:lstStyle/>
+          <a:p>
+            <a:r>
+              <a:rPr lang="en-GB" dirty="0"/>
+              <a:t>Conclusion</a:t>
+            </a:r>
+            <a:endParaRPr lang="en-ID" dirty="0"/>
+          </a:p>
+        </p:txBody>
+      </p:sp>
+      <p:sp>
+        <p:nvSpPr>
+          <p:cNvPr id="3" name="Content Placeholder 2">
+            <a:extLst>
+              <a:ext uri="{FF2B5EF4-FFF2-40B4-BE49-F238E27FC236}">
+                <a16:creationId xmlns:a16="http://schemas.microsoft.com/office/drawing/2014/main" id="{807756C3-EEA2-763B-5A2E-43A47969C35F}"/>
+              </a:ext>
+            </a:extLst>
+          </p:cNvPr>
+          <p:cNvSpPr>
+            <a:spLocks noGrp="1"/>
+          </p:cNvSpPr>
+          <p:nvPr>
+            <p:ph idx="1"/>
+          </p:nvPr>
+        </p:nvSpPr>
+        <p:spPr/>
+        <p:txBody>
+          <a:bodyPr>
+            <a:normAutofit fontScale="92500" lnSpcReduction="20000"/>
+          </a:bodyPr>
+          <a:lstStyle/>
+          <a:p>
+            <a:r>
+              <a:rPr lang="en-ID" sz="3600" kern="100" dirty="0">
+                <a:effectLst/>
+                <a:latin typeface="Times New Roman" panose="02020603050405020304" pitchFamily="18" charset="0"/>
+                <a:ea typeface="Calibri" panose="020F0502020204030204" pitchFamily="34" charset="0"/>
+                <a:cs typeface="Times New Roman" panose="02020603050405020304" pitchFamily="18" charset="0"/>
+              </a:rPr>
+              <a:t>This website can assist users, especially companies with a multi-company structure. However, it can also function well for businesses with branches or even non-profit organizations with one or more other departments. And </a:t>
+            </a:r>
+            <a:r>
+              <a:rPr lang="en-GB" sz="3600" kern="100" dirty="0">
+                <a:effectLst/>
+                <a:latin typeface="Times New Roman" panose="02020603050405020304" pitchFamily="18" charset="0"/>
+                <a:ea typeface="Calibri" panose="020F0502020204030204" pitchFamily="34" charset="0"/>
+                <a:cs typeface="Times New Roman" panose="02020603050405020304" pitchFamily="18" charset="0"/>
+              </a:rPr>
+              <a:t>The features of this website that users find most useful, based on the highest survey results, include employee salaries, future cost recording, project cost approval, and overall reporting.</a:t>
+            </a:r>
+            <a:endParaRPr lang="en-ID" sz="3600" kern="100" dirty="0">
+              <a:effectLst/>
+              <a:latin typeface="Calibri" panose="020F0502020204030204" pitchFamily="34" charset="0"/>
+              <a:ea typeface="Calibri" panose="020F0502020204030204" pitchFamily="34" charset="0"/>
+              <a:cs typeface="Times New Roman" panose="02020603050405020304" pitchFamily="18" charset="0"/>
+            </a:endParaRPr>
+          </a:p>
+          <a:p>
+            <a:endParaRPr lang="en-ID" dirty="0"/>
+          </a:p>
+        </p:txBody>
+      </p:sp>
+    </p:spTree>
+    <p:extLst>
+      <p:ext uri="{BB962C8B-B14F-4D97-AF65-F5344CB8AC3E}">
+        <p14:creationId xmlns:p14="http://schemas.microsoft.com/office/powerpoint/2010/main" val="3764041678"/>
+      </p:ext>
+    </p:extLst>
+  </p:cSld>
+  <p:clrMapOvr>
+    <a:masterClrMapping/>
+  </p:clrMapOvr>
+</p:sld>
+</file>
+
+<file path=ppt/slides/slide22.xml><?xml version="1.0" encoding="utf-8"?>
+<p:sld xmlns:a="http://schemas.openxmlformats.org/drawingml/2006/main" xmlns:r="http://schemas.openxmlformats.org/officeDocument/2006/relationships" xmlns:p="http://schemas.openxmlformats.org/presentationml/2006/main">
+  <p:cSld>
+    <p:spTree>
+      <p:nvGrpSpPr>
+        <p:cNvPr id="1" name=""/>
+        <p:cNvGrpSpPr/>
+        <p:nvPr/>
+      </p:nvGrpSpPr>
+      <p:grpSpPr>
+        <a:xfrm>
+          <a:off x="0" y="0"/>
+          <a:ext cx="0" cy="0"/>
+          <a:chOff x="0" y="0"/>
+          <a:chExt cx="0" cy="0"/>
+        </a:xfrm>
+      </p:grpSpPr>
+      <p:sp>
+        <p:nvSpPr>
+          <p:cNvPr id="2" name="Title 1">
+            <a:extLst>
+              <a:ext uri="{FF2B5EF4-FFF2-40B4-BE49-F238E27FC236}">
+                <a16:creationId xmlns:a16="http://schemas.microsoft.com/office/drawing/2014/main" id="{4010AF38-26DF-48B3-952C-4A9091D6863C}"/>
+              </a:ext>
+            </a:extLst>
+          </p:cNvPr>
+          <p:cNvSpPr>
+            <a:spLocks noGrp="1"/>
+          </p:cNvSpPr>
+          <p:nvPr>
+            <p:ph type="ctrTitle"/>
+          </p:nvPr>
+        </p:nvSpPr>
+        <p:spPr>
+          <a:xfrm>
+            <a:off x="648929" y="639097"/>
+            <a:ext cx="6253317" cy="3686015"/>
+          </a:xfrm>
+        </p:spPr>
+        <p:txBody>
+          <a:bodyPr>
+            <a:noAutofit/>
+          </a:bodyPr>
+          <a:lstStyle/>
+          <a:p>
+            <a:r>
+              <a:rPr lang="en-GB" sz="4400" dirty="0"/>
+              <a:t>Thank you</a:t>
+            </a:r>
+            <a:endParaRPr lang="en-US" sz="4400" dirty="0"/>
+          </a:p>
+        </p:txBody>
+      </p:sp>
+      <p:sp>
+        <p:nvSpPr>
+          <p:cNvPr id="3" name="Subtitle 2">
+            <a:extLst>
+              <a:ext uri="{FF2B5EF4-FFF2-40B4-BE49-F238E27FC236}">
+                <a16:creationId xmlns:a16="http://schemas.microsoft.com/office/drawing/2014/main" id="{37FC2D8F-56D2-4ADF-B439-0E09E7C37894}"/>
+              </a:ext>
+            </a:extLst>
+          </p:cNvPr>
+          <p:cNvSpPr>
+            <a:spLocks noGrp="1"/>
+          </p:cNvSpPr>
+          <p:nvPr>
+            <p:ph type="subTitle" idx="1"/>
+          </p:nvPr>
+        </p:nvSpPr>
+        <p:spPr>
+          <a:xfrm>
+            <a:off x="632899" y="4672738"/>
+            <a:ext cx="6269347" cy="1546155"/>
+          </a:xfrm>
+        </p:spPr>
+        <p:txBody>
+          <a:bodyPr>
+            <a:normAutofit fontScale="85000" lnSpcReduction="10000"/>
+          </a:bodyPr>
+          <a:lstStyle/>
+          <a:p>
+            <a:r>
+              <a:rPr lang="en-US" sz="2400" dirty="0" err="1">
+                <a:solidFill>
+                  <a:schemeClr val="tx1">
+                    <a:lumMod val="85000"/>
+                    <a:lumOff val="15000"/>
+                  </a:schemeClr>
+                </a:solidFill>
+              </a:rPr>
+              <a:t>Brevalda</a:t>
+            </a:r>
+            <a:r>
+              <a:rPr lang="en-US" sz="2400" dirty="0">
+                <a:solidFill>
+                  <a:schemeClr val="tx1">
+                    <a:lumMod val="85000"/>
+                    <a:lumOff val="15000"/>
+                  </a:schemeClr>
+                </a:solidFill>
+              </a:rPr>
+              <a:t> </a:t>
+            </a:r>
+            <a:r>
+              <a:rPr lang="en-US" sz="2400" dirty="0" err="1">
+                <a:solidFill>
+                  <a:schemeClr val="tx1">
+                    <a:lumMod val="85000"/>
+                    <a:lumOff val="15000"/>
+                  </a:schemeClr>
+                </a:solidFill>
+              </a:rPr>
+              <a:t>Resnu</a:t>
+            </a:r>
+            <a:r>
+              <a:rPr lang="en-US" sz="2400" dirty="0">
+                <a:solidFill>
+                  <a:schemeClr val="tx1">
+                    <a:lumMod val="85000"/>
+                    <a:lumOff val="15000"/>
+                  </a:schemeClr>
+                </a:solidFill>
+              </a:rPr>
+              <a:t> Putra </a:t>
+            </a:r>
+            <a:r>
+              <a:rPr lang="en-US" sz="2400" dirty="0" err="1">
+                <a:solidFill>
+                  <a:schemeClr val="tx1">
+                    <a:lumMod val="85000"/>
+                    <a:lumOff val="15000"/>
+                  </a:schemeClr>
+                </a:solidFill>
+              </a:rPr>
+              <a:t>Kaltanda</a:t>
+            </a:r>
+            <a:endParaRPr lang="en-US" sz="2400" dirty="0">
+              <a:solidFill>
+                <a:schemeClr val="tx1">
+                  <a:lumMod val="85000"/>
+                  <a:lumOff val="15000"/>
+                </a:schemeClr>
+              </a:solidFill>
+            </a:endParaRPr>
+          </a:p>
+          <a:p>
+            <a:r>
+              <a:rPr lang="en-US" dirty="0">
+                <a:solidFill>
+                  <a:schemeClr val="tx1">
+                    <a:lumMod val="85000"/>
+                    <a:lumOff val="15000"/>
+                  </a:schemeClr>
+                </a:solidFill>
+              </a:rPr>
+              <a:t>218180412</a:t>
+            </a:r>
+          </a:p>
+          <a:p>
+            <a:r>
+              <a:rPr lang="en-US" sz="2400" dirty="0">
+                <a:solidFill>
+                  <a:schemeClr val="tx1">
+                    <a:lumMod val="85000"/>
+                    <a:lumOff val="15000"/>
+                  </a:schemeClr>
+                </a:solidFill>
+              </a:rPr>
+              <a:t>S1 – system information and </a:t>
+            </a:r>
+            <a:r>
+              <a:rPr lang="en-US" sz="2400" dirty="0" err="1">
+                <a:solidFill>
+                  <a:schemeClr val="tx1">
+                    <a:lumMod val="85000"/>
+                    <a:lumOff val="15000"/>
+                  </a:schemeClr>
+                </a:solidFill>
+              </a:rPr>
+              <a:t>bussiness</a:t>
+            </a:r>
+            <a:endParaRPr lang="en-US" sz="2400" dirty="0">
+              <a:solidFill>
+                <a:schemeClr val="tx1">
+                  <a:lumMod val="85000"/>
+                  <a:lumOff val="15000"/>
+                </a:schemeClr>
+              </a:solidFill>
+            </a:endParaRPr>
+          </a:p>
+        </p:txBody>
+      </p:sp>
+      <p:pic>
+        <p:nvPicPr>
+          <p:cNvPr id="6" name="Picture 5">
+            <a:extLst>
+              <a:ext uri="{FF2B5EF4-FFF2-40B4-BE49-F238E27FC236}">
+                <a16:creationId xmlns:a16="http://schemas.microsoft.com/office/drawing/2014/main" id="{308AC96E-AA33-4309-B51D-072F59E6EC0B}"/>
+              </a:ext>
+              <a:ext uri="{C183D7F6-B498-43B3-948B-1728B52AA6E4}">
+                <adec:decorative xmlns:adec="http://schemas.microsoft.com/office/drawing/2017/decorative" val="1"/>
+              </a:ext>
+            </a:extLst>
+          </p:cNvPr>
+          <p:cNvPicPr>
+            <a:picLocks noChangeAspect="1"/>
+          </p:cNvPicPr>
+          <p:nvPr/>
+        </p:nvPicPr>
+        <p:blipFill rotWithShape="1">
+          <a:blip r:embed="rId2">
+            <a:extLst>
+              <a:ext uri="{28A0092B-C50C-407E-A947-70E740481C1C}">
+                <a14:useLocalDpi xmlns:a14="http://schemas.microsoft.com/office/drawing/2010/main" val="0"/>
+              </a:ext>
+            </a:extLst>
+          </a:blip>
+          <a:srcRect/>
+          <a:stretch/>
+        </p:blipFill>
+        <p:spPr>
+          <a:xfrm>
+            <a:off x="7556686" y="1"/>
+            <a:ext cx="4635315" cy="6857999"/>
+          </a:xfrm>
+          <a:prstGeom prst="rect">
+            <a:avLst/>
+          </a:prstGeom>
+        </p:spPr>
+      </p:pic>
+    </p:spTree>
+    <p:extLst>
+      <p:ext uri="{BB962C8B-B14F-4D97-AF65-F5344CB8AC3E}">
+        <p14:creationId xmlns:p14="http://schemas.microsoft.com/office/powerpoint/2010/main" val="2809882935"/>
       </p:ext>
     </p:extLst>
   </p:cSld>
@@ -6504,21 +7045,21 @@
 </file>
 
 <file path=customXml/item1.xml><?xml version="1.0" encoding="utf-8"?>
+<p:properties xmlns:p="http://schemas.microsoft.com/office/2006/metadata/properties" xmlns:xsi="http://www.w3.org/2001/XMLSchema-instance" xmlns:pc="http://schemas.microsoft.com/office/infopath/2007/PartnerControls">
+  <documentManagement>
+    <Status xmlns="71af3243-3dd4-4a8d-8c0d-dd76da1f02a5">Not started</Status>
+    <MediaServiceKeyPoints xmlns="71af3243-3dd4-4a8d-8c0d-dd76da1f02a5" xsi:nil="true"/>
+  </documentManagement>
+</p:properties>
+</file>
+
+<file path=customXml/item2.xml><?xml version="1.0" encoding="utf-8"?>
 <?mso-contentType ?>
 <FormTemplates xmlns="http://schemas.microsoft.com/sharepoint/v3/contenttype/forms">
   <Display>DocumentLibraryForm</Display>
   <Edit>DocumentLibraryForm</Edit>
   <New>DocumentLibraryForm</New>
 </FormTemplates>
-</file>
-
-<file path=customXml/item2.xml><?xml version="1.0" encoding="utf-8"?>
-<p:properties xmlns:p="http://schemas.microsoft.com/office/2006/metadata/properties" xmlns:xsi="http://www.w3.org/2001/XMLSchema-instance" xmlns:pc="http://schemas.microsoft.com/office/infopath/2007/PartnerControls">
-  <documentManagement>
-    <Status xmlns="71af3243-3dd4-4a8d-8c0d-dd76da1f02a5">Not started</Status>
-    <MediaServiceKeyPoints xmlns="71af3243-3dd4-4a8d-8c0d-dd76da1f02a5" xsi:nil="true"/>
-  </documentManagement>
-</p:properties>
 </file>
 
 <file path=customXml/item3.xml><?xml version="1.0" encoding="utf-8"?>
@@ -6743,19 +7284,19 @@
 </file>
 
 <file path=customXml/itemProps1.xml><?xml version="1.0" encoding="utf-8"?>
-<ds:datastoreItem xmlns:ds="http://schemas.openxmlformats.org/officeDocument/2006/customXml" ds:itemID="{638A3B04-B0F3-4C12-A722-52B5CF6D9723}">
+<ds:datastoreItem xmlns:ds="http://schemas.openxmlformats.org/officeDocument/2006/customXml" ds:itemID="{4F5B1FD9-3BB6-4DA9-A089-3B68C2323D4F}">
   <ds:schemaRefs>
-    <ds:schemaRef ds:uri="http://schemas.microsoft.com/sharepoint/v3/contenttype/forms"/>
+    <ds:schemaRef ds:uri="http://schemas.microsoft.com/office/2006/metadata/properties"/>
+    <ds:schemaRef ds:uri="http://schemas.microsoft.com/office/infopath/2007/PartnerControls"/>
+    <ds:schemaRef ds:uri="71af3243-3dd4-4a8d-8c0d-dd76da1f02a5"/>
   </ds:schemaRefs>
 </ds:datastoreItem>
 </file>
 
 <file path=customXml/itemProps2.xml><?xml version="1.0" encoding="utf-8"?>
-<ds:datastoreItem xmlns:ds="http://schemas.openxmlformats.org/officeDocument/2006/customXml" ds:itemID="{4F5B1FD9-3BB6-4DA9-A089-3B68C2323D4F}">
+<ds:datastoreItem xmlns:ds="http://schemas.openxmlformats.org/officeDocument/2006/customXml" ds:itemID="{638A3B04-B0F3-4C12-A722-52B5CF6D9723}">
   <ds:schemaRefs>
-    <ds:schemaRef ds:uri="http://schemas.microsoft.com/office/2006/metadata/properties"/>
-    <ds:schemaRef ds:uri="http://schemas.microsoft.com/office/infopath/2007/PartnerControls"/>
-    <ds:schemaRef ds:uri="71af3243-3dd4-4a8d-8c0d-dd76da1f02a5"/>
+    <ds:schemaRef ds:uri="http://schemas.microsoft.com/sharepoint/v3/contenttype/forms"/>
   </ds:schemaRefs>
 </ds:datastoreItem>
 </file>

--- a/perbaikanONLINE COMPANY EXPENSE RECORDING WEBSITE BASED ON MULTI-COMPANY.pptx
+++ b/perbaikanONLINE COMPANY EXPENSE RECORDING WEBSITE BASED ON MULTI-COMPANY.pptx
@@ -25,8 +25,10 @@
     <p:sldId id="337" r:id="rId22"/>
     <p:sldId id="338" r:id="rId23"/>
     <p:sldId id="339" r:id="rId24"/>
-    <p:sldId id="340" r:id="rId25"/>
-    <p:sldId id="331" r:id="rId26"/>
+    <p:sldId id="342" r:id="rId25"/>
+    <p:sldId id="343" r:id="rId26"/>
+    <p:sldId id="340" r:id="rId27"/>
+    <p:sldId id="331" r:id="rId28"/>
   </p:sldIdLst>
   <p:sldSz cx="12192000" cy="6858000"/>
   <p:notesSz cx="6858000" cy="9144000"/>
@@ -377,7 +379,7 @@
           <a:p>
             <a:fld id="{9184DA70-C731-4C70-880D-CCD4705E623C}" type="datetime1">
               <a:rPr lang="en-US" smtClean="0"/>
-              <a:t>10/31/2024</a:t>
+              <a:t>11/6/2024</a:t>
             </a:fld>
             <a:endParaRPr lang="en-US" dirty="0"/>
           </a:p>
@@ -565,7 +567,7 @@
           <a:p>
             <a:fld id="{4BE1D723-8F53-4F53-90B0-1982A396982E}" type="datetime1">
               <a:rPr lang="en-US" smtClean="0"/>
-              <a:t>10/31/2024</a:t>
+              <a:t>11/6/2024</a:t>
             </a:fld>
             <a:endParaRPr lang="en-US" dirty="0"/>
           </a:p>
@@ -938,7 +940,7 @@
           <a:p>
             <a:fld id="{97669AF7-7BEB-44E4-9852-375E34362B5B}" type="datetime1">
               <a:rPr lang="en-US" smtClean="0"/>
-              <a:t>10/31/2024</a:t>
+              <a:t>11/6/2024</a:t>
             </a:fld>
             <a:endParaRPr lang="en-US" dirty="0"/>
           </a:p>
@@ -1193,7 +1195,7 @@
           <a:p>
             <a:fld id="{BAAAC38D-0552-4C82-B593-E6124DFADBE2}" type="datetime1">
               <a:rPr lang="en-US" smtClean="0"/>
-              <a:t>10/31/2024</a:t>
+              <a:t>11/6/2024</a:t>
             </a:fld>
             <a:endParaRPr lang="en-US" dirty="0"/>
           </a:p>
@@ -1590,7 +1592,7 @@
           <a:p>
             <a:fld id="{D9DF0F1C-5577-4ACB-BB62-DF8F3C494C7E}" type="datetime1">
               <a:rPr lang="en-US" smtClean="0"/>
-              <a:t>10/31/2024</a:t>
+              <a:t>11/6/2024</a:t>
             </a:fld>
             <a:endParaRPr lang="en-US" dirty="0"/>
           </a:p>
@@ -1726,7 +1728,7 @@
           <a:p>
             <a:fld id="{1775B394-D9F9-4F0C-B15D-605F45CB9E9F}" type="datetime1">
               <a:rPr lang="en-US" smtClean="0"/>
-              <a:t>10/31/2024</a:t>
+              <a:t>11/6/2024</a:t>
             </a:fld>
             <a:endParaRPr lang="en-US" dirty="0"/>
           </a:p>
@@ -1883,7 +1885,7 @@
           <a:p>
             <a:fld id="{39667345-2558-425A-8533-9BFDBCE15005}" type="datetime1">
               <a:rPr lang="en-US" smtClean="0"/>
-              <a:t>10/31/2024</a:t>
+              <a:t>11/6/2024</a:t>
             </a:fld>
             <a:endParaRPr lang="en-US" dirty="0"/>
           </a:p>
@@ -2212,7 +2214,7 @@
           <a:p>
             <a:fld id="{92BEA474-078D-4E9B-9B14-09A87B19DC46}" type="datetime1">
               <a:rPr lang="en-US" smtClean="0"/>
-              <a:t>10/31/2024</a:t>
+              <a:t>11/6/2024</a:t>
             </a:fld>
             <a:endParaRPr lang="en-US" dirty="0"/>
           </a:p>
@@ -2562,7 +2564,7 @@
           <a:p>
             <a:fld id="{4907D986-8816-4272-A432-0437A28A9828}" type="datetime1">
               <a:rPr lang="en-US" smtClean="0"/>
-              <a:t>10/31/2024</a:t>
+              <a:t>11/6/2024</a:t>
             </a:fld>
             <a:endParaRPr lang="en-US" dirty="0"/>
           </a:p>
@@ -2823,7 +2825,7 @@
           <a:p>
             <a:fld id="{62D6E202-B606-4609-B914-27C9371A1F6D}" type="datetime1">
               <a:rPr lang="en-US" smtClean="0"/>
-              <a:t>10/31/2024</a:t>
+              <a:t>11/6/2024</a:t>
             </a:fld>
             <a:endParaRPr lang="en-US" dirty="0"/>
           </a:p>
@@ -5516,6 +5518,319 @@
           <p:cNvPr id="2" name="Title 1">
             <a:extLst>
               <a:ext uri="{FF2B5EF4-FFF2-40B4-BE49-F238E27FC236}">
+                <a16:creationId xmlns:a16="http://schemas.microsoft.com/office/drawing/2014/main" id="{8B49EBB3-4EE1-2B5F-1E65-C2FE7235CFD8}"/>
+              </a:ext>
+            </a:extLst>
+          </p:cNvPr>
+          <p:cNvSpPr>
+            <a:spLocks noGrp="1"/>
+          </p:cNvSpPr>
+          <p:nvPr>
+            <p:ph type="title"/>
+          </p:nvPr>
+        </p:nvSpPr>
+        <p:spPr/>
+        <p:txBody>
+          <a:bodyPr/>
+          <a:lstStyle/>
+          <a:p>
+            <a:r>
+              <a:rPr lang="en-GB" dirty="0"/>
+              <a:t>feedback</a:t>
+            </a:r>
+            <a:endParaRPr lang="en-ID" dirty="0"/>
+          </a:p>
+        </p:txBody>
+      </p:sp>
+      <p:sp>
+        <p:nvSpPr>
+          <p:cNvPr id="3" name="Content Placeholder 2">
+            <a:extLst>
+              <a:ext uri="{FF2B5EF4-FFF2-40B4-BE49-F238E27FC236}">
+                <a16:creationId xmlns:a16="http://schemas.microsoft.com/office/drawing/2014/main" id="{4711B02B-6F17-EA47-E752-7013443624BF}"/>
+              </a:ext>
+            </a:extLst>
+          </p:cNvPr>
+          <p:cNvSpPr>
+            <a:spLocks noGrp="1"/>
+          </p:cNvSpPr>
+          <p:nvPr>
+            <p:ph idx="1"/>
+          </p:nvPr>
+        </p:nvSpPr>
+        <p:spPr/>
+        <p:txBody>
+          <a:bodyPr>
+            <a:normAutofit lnSpcReduction="10000"/>
+          </a:bodyPr>
+          <a:lstStyle/>
+          <a:p>
+            <a:r>
+              <a:rPr lang="en-GB" sz="2400" dirty="0"/>
+              <a:t>1. All inputs related to approval should not be editable to avoid data manipulation.</a:t>
+            </a:r>
+            <a:r>
+              <a:rPr lang="en-GB" sz="1600" dirty="0"/>
+              <a:t>(</a:t>
+            </a:r>
+            <a:r>
+              <a:rPr lang="en-GB" sz="1600" dirty="0" err="1"/>
+              <a:t>M.izzan</a:t>
+            </a:r>
+            <a:r>
+              <a:rPr lang="en-GB" sz="1600" dirty="0"/>
+              <a:t> </a:t>
+            </a:r>
+            <a:r>
+              <a:rPr lang="en-GB" sz="1600" dirty="0" err="1"/>
+              <a:t>fahrozi</a:t>
+            </a:r>
+            <a:r>
+              <a:rPr lang="en-GB" sz="1600" dirty="0"/>
+              <a:t> – Muhammadiyah organization </a:t>
+            </a:r>
+            <a:r>
+              <a:rPr lang="en-GB" sz="1600" dirty="0" err="1"/>
+              <a:t>sidoarjo</a:t>
+            </a:r>
+            <a:r>
+              <a:rPr lang="en-GB" sz="1600" dirty="0"/>
+              <a:t>)</a:t>
+            </a:r>
+          </a:p>
+          <a:p>
+            <a:r>
+              <a:rPr lang="en-GB" sz="2400" dirty="0"/>
+              <a:t>2. The layout for printing PDF reports, especially those related to calculations, should be placed at least on the right side. (</a:t>
+            </a:r>
+            <a:r>
+              <a:rPr lang="en-GB" sz="1700" dirty="0" err="1"/>
+              <a:t>Syaiful</a:t>
+            </a:r>
+            <a:r>
+              <a:rPr lang="en-GB" sz="1700" dirty="0"/>
+              <a:t> </a:t>
+            </a:r>
+            <a:r>
+              <a:rPr lang="en-GB" sz="1700" dirty="0" err="1"/>
+              <a:t>Wildani</a:t>
+            </a:r>
+            <a:r>
+              <a:rPr lang="en-GB" sz="1700" dirty="0"/>
+              <a:t> – </a:t>
+            </a:r>
+            <a:r>
+              <a:rPr lang="en-GB" sz="1700" dirty="0" err="1"/>
+              <a:t>PT.pelni</a:t>
+            </a:r>
+            <a:r>
+              <a:rPr lang="en-GB" sz="1700" dirty="0"/>
+              <a:t>(Persero)</a:t>
+            </a:r>
+          </a:p>
+          <a:p>
+            <a:r>
+              <a:rPr lang="en-GB" sz="2400" dirty="0"/>
+              <a:t>3. Project cost details issued by other companies should be accessible for input across the entire company. </a:t>
+            </a:r>
+            <a:r>
+              <a:rPr lang="en-GB" sz="1700" dirty="0"/>
+              <a:t>(Naufal Rahman </a:t>
+            </a:r>
+            <a:r>
+              <a:rPr lang="pt-BR" sz="1700" dirty="0"/>
+              <a:t>PT. Reka nusa pracipta consultindo)</a:t>
+            </a:r>
+            <a:endParaRPr lang="en-GB" sz="1700" dirty="0"/>
+          </a:p>
+          <a:p>
+            <a:r>
+              <a:rPr lang="en-GB" sz="2400" dirty="0"/>
+              <a:t>4. The pie chart on the printable report should ideally be written with one pie chart per page to make it easier to read. </a:t>
+            </a:r>
+            <a:r>
+              <a:rPr lang="en-GB" sz="1700" dirty="0"/>
+              <a:t>(</a:t>
+            </a:r>
+            <a:r>
+              <a:rPr lang="en-GB" sz="1700" dirty="0" err="1"/>
+              <a:t>Diky</a:t>
+            </a:r>
+            <a:r>
+              <a:rPr lang="en-GB" sz="1700" dirty="0"/>
+              <a:t> </a:t>
+            </a:r>
+            <a:r>
+              <a:rPr lang="en-GB" sz="1700" dirty="0" err="1"/>
+              <a:t>ariyanto</a:t>
+            </a:r>
+            <a:r>
+              <a:rPr lang="en-GB" sz="1700" dirty="0"/>
+              <a:t> - PT. </a:t>
+            </a:r>
+            <a:r>
+              <a:rPr lang="en-GB" sz="1700" dirty="0" err="1"/>
+              <a:t>albani</a:t>
+            </a:r>
+            <a:r>
+              <a:rPr lang="en-GB" sz="1700" dirty="0"/>
+              <a:t> corona Lestari)</a:t>
+            </a:r>
+            <a:endParaRPr lang="en-ID" sz="1700" dirty="0"/>
+          </a:p>
+        </p:txBody>
+      </p:sp>
+    </p:spTree>
+    <p:extLst>
+      <p:ext uri="{BB962C8B-B14F-4D97-AF65-F5344CB8AC3E}">
+        <p14:creationId xmlns:p14="http://schemas.microsoft.com/office/powerpoint/2010/main" val="1170869185"/>
+      </p:ext>
+    </p:extLst>
+  </p:cSld>
+  <p:clrMapOvr>
+    <a:masterClrMapping/>
+  </p:clrMapOvr>
+</p:sld>
+</file>
+
+<file path=ppt/slides/slide22.xml><?xml version="1.0" encoding="utf-8"?>
+<p:sld xmlns:a="http://schemas.openxmlformats.org/drawingml/2006/main" xmlns:r="http://schemas.openxmlformats.org/officeDocument/2006/relationships" xmlns:p="http://schemas.openxmlformats.org/presentationml/2006/main">
+  <p:cSld>
+    <p:spTree>
+      <p:nvGrpSpPr>
+        <p:cNvPr id="1" name=""/>
+        <p:cNvGrpSpPr/>
+        <p:nvPr/>
+      </p:nvGrpSpPr>
+      <p:grpSpPr>
+        <a:xfrm>
+          <a:off x="0" y="0"/>
+          <a:ext cx="0" cy="0"/>
+          <a:chOff x="0" y="0"/>
+          <a:chExt cx="0" cy="0"/>
+        </a:xfrm>
+      </p:grpSpPr>
+      <p:sp>
+        <p:nvSpPr>
+          <p:cNvPr id="2" name="Title 1">
+            <a:extLst>
+              <a:ext uri="{FF2B5EF4-FFF2-40B4-BE49-F238E27FC236}">
+                <a16:creationId xmlns:a16="http://schemas.microsoft.com/office/drawing/2014/main" id="{213297B3-6EE6-F97F-6480-D15FDEFB64BB}"/>
+              </a:ext>
+            </a:extLst>
+          </p:cNvPr>
+          <p:cNvSpPr>
+            <a:spLocks noGrp="1"/>
+          </p:cNvSpPr>
+          <p:nvPr>
+            <p:ph type="title"/>
+          </p:nvPr>
+        </p:nvSpPr>
+        <p:spPr/>
+        <p:txBody>
+          <a:bodyPr/>
+          <a:lstStyle/>
+          <a:p>
+            <a:r>
+              <a:rPr lang="en-GB" dirty="0"/>
+              <a:t>Solutions</a:t>
+            </a:r>
+            <a:endParaRPr lang="en-ID" dirty="0"/>
+          </a:p>
+        </p:txBody>
+      </p:sp>
+      <p:sp>
+        <p:nvSpPr>
+          <p:cNvPr id="3" name="Content Placeholder 2">
+            <a:extLst>
+              <a:ext uri="{FF2B5EF4-FFF2-40B4-BE49-F238E27FC236}">
+                <a16:creationId xmlns:a16="http://schemas.microsoft.com/office/drawing/2014/main" id="{EB6B2DBB-F10C-9F41-A9EA-B601F3E5B97D}"/>
+              </a:ext>
+            </a:extLst>
+          </p:cNvPr>
+          <p:cNvSpPr>
+            <a:spLocks noGrp="1"/>
+          </p:cNvSpPr>
+          <p:nvPr>
+            <p:ph idx="1"/>
+          </p:nvPr>
+        </p:nvSpPr>
+        <p:spPr/>
+        <p:txBody>
+          <a:bodyPr>
+            <a:noAutofit/>
+          </a:bodyPr>
+          <a:lstStyle/>
+          <a:p>
+            <a:r>
+              <a:rPr lang="en-GB" sz="2800" dirty="0"/>
+              <a:t>1. We delete all edit button and function at </a:t>
+            </a:r>
+            <a:r>
+              <a:rPr lang="en-GB" sz="2800" dirty="0" err="1"/>
+              <a:t>at</a:t>
+            </a:r>
+            <a:r>
+              <a:rPr lang="en-GB" sz="2800" dirty="0"/>
+              <a:t> detail project reporting and personal expenses</a:t>
+            </a:r>
+          </a:p>
+          <a:p>
+            <a:r>
+              <a:rPr lang="en-GB" sz="2800" dirty="0"/>
+              <a:t>2. we put the layout especially who have countable value on right side</a:t>
+            </a:r>
+          </a:p>
+          <a:p>
+            <a:r>
+              <a:rPr lang="en-GB" sz="2800" dirty="0"/>
+              <a:t>3. We removed the data selection that could filter the company codes owned by the user.</a:t>
+            </a:r>
+          </a:p>
+          <a:p>
+            <a:r>
+              <a:rPr lang="en-GB" sz="2800" dirty="0"/>
+              <a:t>4. We changed the pie chart layout to one layout per page.</a:t>
+            </a:r>
+            <a:endParaRPr lang="en-ID" sz="2800" dirty="0"/>
+          </a:p>
+        </p:txBody>
+      </p:sp>
+    </p:spTree>
+    <p:extLst>
+      <p:ext uri="{BB962C8B-B14F-4D97-AF65-F5344CB8AC3E}">
+        <p14:creationId xmlns:p14="http://schemas.microsoft.com/office/powerpoint/2010/main" val="1161663665"/>
+      </p:ext>
+    </p:extLst>
+  </p:cSld>
+  <p:clrMapOvr>
+    <a:masterClrMapping/>
+  </p:clrMapOvr>
+</p:sld>
+</file>
+
+<file path=ppt/slides/slide23.xml><?xml version="1.0" encoding="utf-8"?>
+<p:sld xmlns:a="http://schemas.openxmlformats.org/drawingml/2006/main" xmlns:r="http://schemas.openxmlformats.org/officeDocument/2006/relationships" xmlns:p="http://schemas.openxmlformats.org/presentationml/2006/main">
+  <p:cSld>
+    <p:spTree>
+      <p:nvGrpSpPr>
+        <p:cNvPr id="1" name=""/>
+        <p:cNvGrpSpPr/>
+        <p:nvPr/>
+      </p:nvGrpSpPr>
+      <p:grpSpPr>
+        <a:xfrm>
+          <a:off x="0" y="0"/>
+          <a:ext cx="0" cy="0"/>
+          <a:chOff x="0" y="0"/>
+          <a:chExt cx="0" cy="0"/>
+        </a:xfrm>
+      </p:grpSpPr>
+      <p:sp>
+        <p:nvSpPr>
+          <p:cNvPr id="2" name="Title 1">
+            <a:extLst>
+              <a:ext uri="{FF2B5EF4-FFF2-40B4-BE49-F238E27FC236}">
                 <a16:creationId xmlns:a16="http://schemas.microsoft.com/office/drawing/2014/main" id="{7F56B419-9D54-8AEC-207E-F1D78A57E736}"/>
               </a:ext>
             </a:extLst>
@@ -5606,7 +5921,7 @@
 </p:sld>
 </file>
 
-<file path=ppt/slides/slide22.xml><?xml version="1.0" encoding="utf-8"?>
+<file path=ppt/slides/slide24.xml><?xml version="1.0" encoding="utf-8"?>
 <p:sld xmlns:a="http://schemas.openxmlformats.org/drawingml/2006/main" xmlns:r="http://schemas.openxmlformats.org/officeDocument/2006/relationships" xmlns:p="http://schemas.openxmlformats.org/presentationml/2006/main">
   <p:cSld>
     <p:spTree>
@@ -7045,21 +7360,21 @@
 </file>
 
 <file path=customXml/item1.xml><?xml version="1.0" encoding="utf-8"?>
+<?mso-contentType ?>
+<FormTemplates xmlns="http://schemas.microsoft.com/sharepoint/v3/contenttype/forms">
+  <Display>DocumentLibraryForm</Display>
+  <Edit>DocumentLibraryForm</Edit>
+  <New>DocumentLibraryForm</New>
+</FormTemplates>
+</file>
+
+<file path=customXml/item2.xml><?xml version="1.0" encoding="utf-8"?>
 <p:properties xmlns:p="http://schemas.microsoft.com/office/2006/metadata/properties" xmlns:xsi="http://www.w3.org/2001/XMLSchema-instance" xmlns:pc="http://schemas.microsoft.com/office/infopath/2007/PartnerControls">
   <documentManagement>
     <Status xmlns="71af3243-3dd4-4a8d-8c0d-dd76da1f02a5">Not started</Status>
     <MediaServiceKeyPoints xmlns="71af3243-3dd4-4a8d-8c0d-dd76da1f02a5" xsi:nil="true"/>
   </documentManagement>
 </p:properties>
-</file>
-
-<file path=customXml/item2.xml><?xml version="1.0" encoding="utf-8"?>
-<?mso-contentType ?>
-<FormTemplates xmlns="http://schemas.microsoft.com/sharepoint/v3/contenttype/forms">
-  <Display>DocumentLibraryForm</Display>
-  <Edit>DocumentLibraryForm</Edit>
-  <New>DocumentLibraryForm</New>
-</FormTemplates>
 </file>
 
 <file path=customXml/item3.xml><?xml version="1.0" encoding="utf-8"?>
@@ -7284,19 +7599,19 @@
 </file>
 
 <file path=customXml/itemProps1.xml><?xml version="1.0" encoding="utf-8"?>
+<ds:datastoreItem xmlns:ds="http://schemas.openxmlformats.org/officeDocument/2006/customXml" ds:itemID="{638A3B04-B0F3-4C12-A722-52B5CF6D9723}">
+  <ds:schemaRefs>
+    <ds:schemaRef ds:uri="http://schemas.microsoft.com/sharepoint/v3/contenttype/forms"/>
+  </ds:schemaRefs>
+</ds:datastoreItem>
+</file>
+
+<file path=customXml/itemProps2.xml><?xml version="1.0" encoding="utf-8"?>
 <ds:datastoreItem xmlns:ds="http://schemas.openxmlformats.org/officeDocument/2006/customXml" ds:itemID="{4F5B1FD9-3BB6-4DA9-A089-3B68C2323D4F}">
   <ds:schemaRefs>
     <ds:schemaRef ds:uri="http://schemas.microsoft.com/office/2006/metadata/properties"/>
     <ds:schemaRef ds:uri="http://schemas.microsoft.com/office/infopath/2007/PartnerControls"/>
     <ds:schemaRef ds:uri="71af3243-3dd4-4a8d-8c0d-dd76da1f02a5"/>
-  </ds:schemaRefs>
-</ds:datastoreItem>
-</file>
-
-<file path=customXml/itemProps2.xml><?xml version="1.0" encoding="utf-8"?>
-<ds:datastoreItem xmlns:ds="http://schemas.openxmlformats.org/officeDocument/2006/customXml" ds:itemID="{638A3B04-B0F3-4C12-A722-52B5CF6D9723}">
-  <ds:schemaRefs>
-    <ds:schemaRef ds:uri="http://schemas.microsoft.com/sharepoint/v3/contenttype/forms"/>
   </ds:schemaRefs>
 </ds:datastoreItem>
 </file>

--- a/perbaikanONLINE COMPANY EXPENSE RECORDING WEBSITE BASED ON MULTI-COMPANY.pptx
+++ b/perbaikanONLINE COMPANY EXPENSE RECORDING WEBSITE BASED ON MULTI-COMPANY.pptx
@@ -4,6 +4,9 @@
   <p:sldMasterIdLst>
     <p:sldMasterId id="2147483660" r:id="rId4"/>
   </p:sldMasterIdLst>
+  <p:notesMasterIdLst>
+    <p:notesMasterId r:id="rId29"/>
+  </p:notesMasterIdLst>
   <p:sldIdLst>
     <p:sldId id="268" r:id="rId5"/>
     <p:sldId id="311" r:id="rId6"/>
@@ -133,6 +136,452 @@
     </p:ext>
   </p:extLst>
 </p:presentation>
+</file>
+
+<file path=ppt/notesMasters/notesMaster1.xml><?xml version="1.0" encoding="utf-8"?>
+<p:notesMaster xmlns:a="http://schemas.openxmlformats.org/drawingml/2006/main" xmlns:r="http://schemas.openxmlformats.org/officeDocument/2006/relationships" xmlns:p="http://schemas.openxmlformats.org/presentationml/2006/main">
+  <p:cSld>
+    <p:bg>
+      <p:bgRef idx="1001">
+        <a:schemeClr val="bg1"/>
+      </p:bgRef>
+    </p:bg>
+    <p:spTree>
+      <p:nvGrpSpPr>
+        <p:cNvPr id="1" name=""/>
+        <p:cNvGrpSpPr/>
+        <p:nvPr/>
+      </p:nvGrpSpPr>
+      <p:grpSpPr>
+        <a:xfrm>
+          <a:off x="0" y="0"/>
+          <a:ext cx="0" cy="0"/>
+          <a:chOff x="0" y="0"/>
+          <a:chExt cx="0" cy="0"/>
+        </a:xfrm>
+      </p:grpSpPr>
+      <p:sp>
+        <p:nvSpPr>
+          <p:cNvPr id="2" name="Header Placeholder 1"/>
+          <p:cNvSpPr>
+            <a:spLocks noGrp="1"/>
+          </p:cNvSpPr>
+          <p:nvPr>
+            <p:ph type="hdr" sz="quarter"/>
+          </p:nvPr>
+        </p:nvSpPr>
+        <p:spPr>
+          <a:xfrm>
+            <a:off x="0" y="0"/>
+            <a:ext cx="2971800" cy="458788"/>
+          </a:xfrm>
+          <a:prstGeom prst="rect">
+            <a:avLst/>
+          </a:prstGeom>
+        </p:spPr>
+        <p:txBody>
+          <a:bodyPr vert="horz" lIns="91440" tIns="45720" rIns="91440" bIns="45720" rtlCol="0"/>
+          <a:lstStyle>
+            <a:lvl1pPr algn="l">
+              <a:defRPr sz="1200"/>
+            </a:lvl1pPr>
+          </a:lstStyle>
+          <a:p>
+            <a:endParaRPr lang="en-ID"/>
+          </a:p>
+        </p:txBody>
+      </p:sp>
+      <p:sp>
+        <p:nvSpPr>
+          <p:cNvPr id="3" name="Date Placeholder 2"/>
+          <p:cNvSpPr>
+            <a:spLocks noGrp="1"/>
+          </p:cNvSpPr>
+          <p:nvPr>
+            <p:ph type="dt" idx="1"/>
+          </p:nvPr>
+        </p:nvSpPr>
+        <p:spPr>
+          <a:xfrm>
+            <a:off x="3884613" y="0"/>
+            <a:ext cx="2971800" cy="458788"/>
+          </a:xfrm>
+          <a:prstGeom prst="rect">
+            <a:avLst/>
+          </a:prstGeom>
+        </p:spPr>
+        <p:txBody>
+          <a:bodyPr vert="horz" lIns="91440" tIns="45720" rIns="91440" bIns="45720" rtlCol="0"/>
+          <a:lstStyle>
+            <a:lvl1pPr algn="r">
+              <a:defRPr sz="1200"/>
+            </a:lvl1pPr>
+          </a:lstStyle>
+          <a:p>
+            <a:fld id="{1F0503C3-40DD-4302-B455-8FB6006BA1D2}" type="datetimeFigureOut">
+              <a:rPr lang="en-ID" smtClean="0"/>
+              <a:t>06/11/2024</a:t>
+            </a:fld>
+            <a:endParaRPr lang="en-ID"/>
+          </a:p>
+        </p:txBody>
+      </p:sp>
+      <p:sp>
+        <p:nvSpPr>
+          <p:cNvPr id="4" name="Slide Image Placeholder 3"/>
+          <p:cNvSpPr>
+            <a:spLocks noGrp="1" noRot="1" noChangeAspect="1"/>
+          </p:cNvSpPr>
+          <p:nvPr>
+            <p:ph type="sldImg" idx="2"/>
+          </p:nvPr>
+        </p:nvSpPr>
+        <p:spPr>
+          <a:xfrm>
+            <a:off x="685800" y="1143000"/>
+            <a:ext cx="5486400" cy="3086100"/>
+          </a:xfrm>
+          <a:prstGeom prst="rect">
+            <a:avLst/>
+          </a:prstGeom>
+          <a:noFill/>
+          <a:ln w="12700">
+            <a:solidFill>
+              <a:prstClr val="black"/>
+            </a:solidFill>
+          </a:ln>
+        </p:spPr>
+        <p:txBody>
+          <a:bodyPr vert="horz" lIns="91440" tIns="45720" rIns="91440" bIns="45720" rtlCol="0" anchor="ctr"/>
+          <a:lstStyle/>
+          <a:p>
+            <a:endParaRPr lang="en-ID"/>
+          </a:p>
+        </p:txBody>
+      </p:sp>
+      <p:sp>
+        <p:nvSpPr>
+          <p:cNvPr id="5" name="Notes Placeholder 4"/>
+          <p:cNvSpPr>
+            <a:spLocks noGrp="1"/>
+          </p:cNvSpPr>
+          <p:nvPr>
+            <p:ph type="body" sz="quarter" idx="3"/>
+          </p:nvPr>
+        </p:nvSpPr>
+        <p:spPr>
+          <a:xfrm>
+            <a:off x="685800" y="4400550"/>
+            <a:ext cx="5486400" cy="3600450"/>
+          </a:xfrm>
+          <a:prstGeom prst="rect">
+            <a:avLst/>
+          </a:prstGeom>
+        </p:spPr>
+        <p:txBody>
+          <a:bodyPr vert="horz" lIns="91440" tIns="45720" rIns="91440" bIns="45720" rtlCol="0"/>
+          <a:lstStyle/>
+          <a:p>
+            <a:pPr lvl="0"/>
+            <a:r>
+              <a:rPr lang="en-US"/>
+              <a:t>Click to edit Master text styles</a:t>
+            </a:r>
+          </a:p>
+          <a:p>
+            <a:pPr lvl="1"/>
+            <a:r>
+              <a:rPr lang="en-US"/>
+              <a:t>Second level</a:t>
+            </a:r>
+          </a:p>
+          <a:p>
+            <a:pPr lvl="2"/>
+            <a:r>
+              <a:rPr lang="en-US"/>
+              <a:t>Third level</a:t>
+            </a:r>
+          </a:p>
+          <a:p>
+            <a:pPr lvl="3"/>
+            <a:r>
+              <a:rPr lang="en-US"/>
+              <a:t>Fourth level</a:t>
+            </a:r>
+          </a:p>
+          <a:p>
+            <a:pPr lvl="4"/>
+            <a:r>
+              <a:rPr lang="en-US"/>
+              <a:t>Fifth level</a:t>
+            </a:r>
+            <a:endParaRPr lang="en-ID"/>
+          </a:p>
+        </p:txBody>
+      </p:sp>
+      <p:sp>
+        <p:nvSpPr>
+          <p:cNvPr id="6" name="Footer Placeholder 5"/>
+          <p:cNvSpPr>
+            <a:spLocks noGrp="1"/>
+          </p:cNvSpPr>
+          <p:nvPr>
+            <p:ph type="ftr" sz="quarter" idx="4"/>
+          </p:nvPr>
+        </p:nvSpPr>
+        <p:spPr>
+          <a:xfrm>
+            <a:off x="0" y="8685213"/>
+            <a:ext cx="2971800" cy="458787"/>
+          </a:xfrm>
+          <a:prstGeom prst="rect">
+            <a:avLst/>
+          </a:prstGeom>
+        </p:spPr>
+        <p:txBody>
+          <a:bodyPr vert="horz" lIns="91440" tIns="45720" rIns="91440" bIns="45720" rtlCol="0" anchor="b"/>
+          <a:lstStyle>
+            <a:lvl1pPr algn="l">
+              <a:defRPr sz="1200"/>
+            </a:lvl1pPr>
+          </a:lstStyle>
+          <a:p>
+            <a:endParaRPr lang="en-ID"/>
+          </a:p>
+        </p:txBody>
+      </p:sp>
+      <p:sp>
+        <p:nvSpPr>
+          <p:cNvPr id="7" name="Slide Number Placeholder 6"/>
+          <p:cNvSpPr>
+            <a:spLocks noGrp="1"/>
+          </p:cNvSpPr>
+          <p:nvPr>
+            <p:ph type="sldNum" sz="quarter" idx="5"/>
+          </p:nvPr>
+        </p:nvSpPr>
+        <p:spPr>
+          <a:xfrm>
+            <a:off x="3884613" y="8685213"/>
+            <a:ext cx="2971800" cy="458787"/>
+          </a:xfrm>
+          <a:prstGeom prst="rect">
+            <a:avLst/>
+          </a:prstGeom>
+        </p:spPr>
+        <p:txBody>
+          <a:bodyPr vert="horz" lIns="91440" tIns="45720" rIns="91440" bIns="45720" rtlCol="0" anchor="b"/>
+          <a:lstStyle>
+            <a:lvl1pPr algn="r">
+              <a:defRPr sz="1200"/>
+            </a:lvl1pPr>
+          </a:lstStyle>
+          <a:p>
+            <a:fld id="{4A361E02-2F61-4144-8552-30D914E2B102}" type="slidenum">
+              <a:rPr lang="en-ID" smtClean="0"/>
+              <a:t>‹#›</a:t>
+            </a:fld>
+            <a:endParaRPr lang="en-ID"/>
+          </a:p>
+        </p:txBody>
+      </p:sp>
+    </p:spTree>
+    <p:extLst>
+      <p:ext uri="{BB962C8B-B14F-4D97-AF65-F5344CB8AC3E}">
+        <p14:creationId xmlns:p14="http://schemas.microsoft.com/office/powerpoint/2010/main" val="322886685"/>
+      </p:ext>
+    </p:extLst>
+  </p:cSld>
+  <p:clrMap bg1="lt1" tx1="dk1" bg2="lt2" tx2="dk2" accent1="accent1" accent2="accent2" accent3="accent3" accent4="accent4" accent5="accent5" accent6="accent6" hlink="hlink" folHlink="folHlink"/>
+  <p:notesStyle>
+    <a:lvl1pPr marL="0" algn="l" defTabSz="914400" rtl="0" eaLnBrk="1" latinLnBrk="0" hangingPunct="1">
+      <a:defRPr sz="1200" kern="1200">
+        <a:solidFill>
+          <a:schemeClr val="tx1"/>
+        </a:solidFill>
+        <a:latin typeface="+mn-lt"/>
+        <a:ea typeface="+mn-ea"/>
+        <a:cs typeface="+mn-cs"/>
+      </a:defRPr>
+    </a:lvl1pPr>
+    <a:lvl2pPr marL="457200" algn="l" defTabSz="914400" rtl="0" eaLnBrk="1" latinLnBrk="0" hangingPunct="1">
+      <a:defRPr sz="1200" kern="1200">
+        <a:solidFill>
+          <a:schemeClr val="tx1"/>
+        </a:solidFill>
+        <a:latin typeface="+mn-lt"/>
+        <a:ea typeface="+mn-ea"/>
+        <a:cs typeface="+mn-cs"/>
+      </a:defRPr>
+    </a:lvl2pPr>
+    <a:lvl3pPr marL="914400" algn="l" defTabSz="914400" rtl="0" eaLnBrk="1" latinLnBrk="0" hangingPunct="1">
+      <a:defRPr sz="1200" kern="1200">
+        <a:solidFill>
+          <a:schemeClr val="tx1"/>
+        </a:solidFill>
+        <a:latin typeface="+mn-lt"/>
+        <a:ea typeface="+mn-ea"/>
+        <a:cs typeface="+mn-cs"/>
+      </a:defRPr>
+    </a:lvl3pPr>
+    <a:lvl4pPr marL="1371600" algn="l" defTabSz="914400" rtl="0" eaLnBrk="1" latinLnBrk="0" hangingPunct="1">
+      <a:defRPr sz="1200" kern="1200">
+        <a:solidFill>
+          <a:schemeClr val="tx1"/>
+        </a:solidFill>
+        <a:latin typeface="+mn-lt"/>
+        <a:ea typeface="+mn-ea"/>
+        <a:cs typeface="+mn-cs"/>
+      </a:defRPr>
+    </a:lvl4pPr>
+    <a:lvl5pPr marL="1828800" algn="l" defTabSz="914400" rtl="0" eaLnBrk="1" latinLnBrk="0" hangingPunct="1">
+      <a:defRPr sz="1200" kern="1200">
+        <a:solidFill>
+          <a:schemeClr val="tx1"/>
+        </a:solidFill>
+        <a:latin typeface="+mn-lt"/>
+        <a:ea typeface="+mn-ea"/>
+        <a:cs typeface="+mn-cs"/>
+      </a:defRPr>
+    </a:lvl5pPr>
+    <a:lvl6pPr marL="2286000" algn="l" defTabSz="914400" rtl="0" eaLnBrk="1" latinLnBrk="0" hangingPunct="1">
+      <a:defRPr sz="1200" kern="1200">
+        <a:solidFill>
+          <a:schemeClr val="tx1"/>
+        </a:solidFill>
+        <a:latin typeface="+mn-lt"/>
+        <a:ea typeface="+mn-ea"/>
+        <a:cs typeface="+mn-cs"/>
+      </a:defRPr>
+    </a:lvl6pPr>
+    <a:lvl7pPr marL="2743200" algn="l" defTabSz="914400" rtl="0" eaLnBrk="1" latinLnBrk="0" hangingPunct="1">
+      <a:defRPr sz="1200" kern="1200">
+        <a:solidFill>
+          <a:schemeClr val="tx1"/>
+        </a:solidFill>
+        <a:latin typeface="+mn-lt"/>
+        <a:ea typeface="+mn-ea"/>
+        <a:cs typeface="+mn-cs"/>
+      </a:defRPr>
+    </a:lvl7pPr>
+    <a:lvl8pPr marL="3200400" algn="l" defTabSz="914400" rtl="0" eaLnBrk="1" latinLnBrk="0" hangingPunct="1">
+      <a:defRPr sz="1200" kern="1200">
+        <a:solidFill>
+          <a:schemeClr val="tx1"/>
+        </a:solidFill>
+        <a:latin typeface="+mn-lt"/>
+        <a:ea typeface="+mn-ea"/>
+        <a:cs typeface="+mn-cs"/>
+      </a:defRPr>
+    </a:lvl8pPr>
+    <a:lvl9pPr marL="3657600" algn="l" defTabSz="914400" rtl="0" eaLnBrk="1" latinLnBrk="0" hangingPunct="1">
+      <a:defRPr sz="1200" kern="1200">
+        <a:solidFill>
+          <a:schemeClr val="tx1"/>
+        </a:solidFill>
+        <a:latin typeface="+mn-lt"/>
+        <a:ea typeface="+mn-ea"/>
+        <a:cs typeface="+mn-cs"/>
+      </a:defRPr>
+    </a:lvl9pPr>
+  </p:notesStyle>
+</p:notesMaster>
+</file>
+
+<file path=ppt/notesSlides/notesSlide1.xml><?xml version="1.0" encoding="utf-8"?>
+<p:notes xmlns:a="http://schemas.openxmlformats.org/drawingml/2006/main" xmlns:r="http://schemas.openxmlformats.org/officeDocument/2006/relationships" xmlns:p="http://schemas.openxmlformats.org/presentationml/2006/main">
+  <p:cSld>
+    <p:spTree>
+      <p:nvGrpSpPr>
+        <p:cNvPr id="1" name=""/>
+        <p:cNvGrpSpPr/>
+        <p:nvPr/>
+      </p:nvGrpSpPr>
+      <p:grpSpPr>
+        <a:xfrm>
+          <a:off x="0" y="0"/>
+          <a:ext cx="0" cy="0"/>
+          <a:chOff x="0" y="0"/>
+          <a:chExt cx="0" cy="0"/>
+        </a:xfrm>
+      </p:grpSpPr>
+      <p:sp>
+        <p:nvSpPr>
+          <p:cNvPr id="2" name="Slide Image Placeholder 1"/>
+          <p:cNvSpPr>
+            <a:spLocks noGrp="1" noRot="1" noChangeAspect="1"/>
+          </p:cNvSpPr>
+          <p:nvPr>
+            <p:ph type="sldImg"/>
+          </p:nvPr>
+        </p:nvSpPr>
+        <p:spPr/>
+      </p:sp>
+      <p:sp>
+        <p:nvSpPr>
+          <p:cNvPr id="3" name="Notes Placeholder 2"/>
+          <p:cNvSpPr>
+            <a:spLocks noGrp="1"/>
+          </p:cNvSpPr>
+          <p:nvPr>
+            <p:ph type="body" idx="1"/>
+          </p:nvPr>
+        </p:nvSpPr>
+        <p:spPr/>
+        <p:txBody>
+          <a:bodyPr/>
+          <a:lstStyle/>
+          <a:p>
+            <a:r>
+              <a:rPr lang="en-GB" dirty="0"/>
+              <a:t>Employee salary. Future </a:t>
+            </a:r>
+            <a:r>
+              <a:rPr lang="en-GB" dirty="0" err="1"/>
+              <a:t>records,approval</a:t>
+            </a:r>
+            <a:r>
+              <a:rPr lang="en-GB" dirty="0"/>
+              <a:t> transaction project ,overall report</a:t>
+            </a:r>
+            <a:endParaRPr lang="en-ID" dirty="0"/>
+          </a:p>
+        </p:txBody>
+      </p:sp>
+      <p:sp>
+        <p:nvSpPr>
+          <p:cNvPr id="4" name="Slide Number Placeholder 3"/>
+          <p:cNvSpPr>
+            <a:spLocks noGrp="1"/>
+          </p:cNvSpPr>
+          <p:nvPr>
+            <p:ph type="sldNum" sz="quarter" idx="5"/>
+          </p:nvPr>
+        </p:nvSpPr>
+        <p:spPr/>
+        <p:txBody>
+          <a:bodyPr/>
+          <a:lstStyle/>
+          <a:p>
+            <a:fld id="{4A361E02-2F61-4144-8552-30D914E2B102}" type="slidenum">
+              <a:rPr lang="en-ID" smtClean="0"/>
+              <a:t>20</a:t>
+            </a:fld>
+            <a:endParaRPr lang="en-ID"/>
+          </a:p>
+        </p:txBody>
+      </p:sp>
+    </p:spTree>
+    <p:extLst>
+      <p:ext uri="{BB962C8B-B14F-4D97-AF65-F5344CB8AC3E}">
+        <p14:creationId xmlns:p14="http://schemas.microsoft.com/office/powerpoint/2010/main" val="2735436066"/>
+      </p:ext>
+    </p:extLst>
+  </p:cSld>
+  <p:clrMapOvr>
+    <a:masterClrMapping/>
+  </p:clrMapOvr>
+</p:notes>
 </file>
 
 <file path=ppt/slideLayouts/slideLayout1.xml><?xml version="1.0" encoding="utf-8"?>
@@ -5454,7 +5903,7 @@
           </p:nvPr>
         </p:nvPicPr>
         <p:blipFill rotWithShape="1">
-          <a:blip r:embed="rId2" cstate="print">
+          <a:blip r:embed="rId3" cstate="print">
             <a:extLst>
               <a:ext uri="{28A0092B-C50C-407E-A947-70E740481C1C}">
                 <a14:useLocalDpi xmlns:a14="http://schemas.microsoft.com/office/drawing/2010/main" val="0"/>
@@ -5566,8 +6015,12 @@
           <a:lstStyle/>
           <a:p>
             <a:r>
+              <a:rPr lang="en-GB" sz="2400" b="1" dirty="0"/>
+              <a:t>1. All inputs related to approval should not be editable to avoid data manipulation</a:t>
+            </a:r>
+            <a:r>
               <a:rPr lang="en-GB" sz="2400" dirty="0"/>
-              <a:t>1. All inputs related to approval should not be editable to avoid data manipulation.</a:t>
+              <a:t>.</a:t>
             </a:r>
             <a:r>
               <a:rPr lang="en-GB" sz="1600" dirty="0"/>
@@ -5600,8 +6053,12 @@
           </a:p>
           <a:p>
             <a:r>
+              <a:rPr lang="en-GB" sz="2400" b="1" dirty="0"/>
+              <a:t>2. The layout for printing PDF reports, especially those related to calculations, should be placed at least on the right side. </a:t>
+            </a:r>
+            <a:r>
               <a:rPr lang="en-GB" sz="2400" dirty="0"/>
-              <a:t>2. The layout for printing PDF reports, especially those related to calculations, should be placed at least on the right side. (</a:t>
+              <a:t>(</a:t>
             </a:r>
             <a:r>
               <a:rPr lang="en-GB" sz="1700" dirty="0" err="1"/>
@@ -5630,7 +6087,7 @@
           </a:p>
           <a:p>
             <a:r>
-              <a:rPr lang="en-GB" sz="2400" dirty="0"/>
+              <a:rPr lang="en-GB" sz="2400" b="1" dirty="0"/>
               <a:t>3. Project cost details issued by other companies should be accessible for input across the entire company. </a:t>
             </a:r>
             <a:r>
@@ -5645,7 +6102,7 @@
           </a:p>
           <a:p>
             <a:r>
-              <a:rPr lang="en-GB" sz="2400" dirty="0"/>
+              <a:rPr lang="en-GB" sz="2400" b="1" dirty="0"/>
               <a:t>4. The pie chart on the printable report should ideally be written with one pie chart per page to make it easier to read. </a:t>
             </a:r>
             <a:r>
@@ -6673,7 +7130,7 @@
         <p:spPr/>
         <p:txBody>
           <a:bodyPr>
-            <a:normAutofit fontScale="92500"/>
+            <a:normAutofit/>
           </a:bodyPr>
           <a:lstStyle/>
           <a:p>
@@ -6709,7 +7166,7 @@
                   </a:schemeClr>
                 </a:solidFill>
               </a:rPr>
-              <a:t>A holding company can help improve efficiency by centralizing certain functions, such as accounting, finance, marketing, and human resources. This can reduce operational costs and enhance synergy between companies within the group.</a:t>
+              <a:t>A holding company can help improve efficiency by centralizing certain functions, such as accounting and finance. This can reduce operational costs and enhance synergy between companies within the group.</a:t>
             </a:r>
             <a:endParaRPr lang="en-ID" sz="3200" dirty="0">
               <a:solidFill>
@@ -7273,6 +7730,301 @@
 </a:theme>
 </file>
 
+<file path=ppt/theme/theme2.xml><?xml version="1.0" encoding="utf-8"?>
+<a:theme xmlns:a="http://schemas.openxmlformats.org/drawingml/2006/main" name="Office Theme">
+  <a:themeElements>
+    <a:clrScheme name="Office">
+      <a:dk1>
+        <a:sysClr val="windowText" lastClr="000000"/>
+      </a:dk1>
+      <a:lt1>
+        <a:sysClr val="window" lastClr="FFFFFF"/>
+      </a:lt1>
+      <a:dk2>
+        <a:srgbClr val="44546A"/>
+      </a:dk2>
+      <a:lt2>
+        <a:srgbClr val="E7E6E6"/>
+      </a:lt2>
+      <a:accent1>
+        <a:srgbClr val="4472C4"/>
+      </a:accent1>
+      <a:accent2>
+        <a:srgbClr val="ED7D31"/>
+      </a:accent2>
+      <a:accent3>
+        <a:srgbClr val="A5A5A5"/>
+      </a:accent3>
+      <a:accent4>
+        <a:srgbClr val="FFC000"/>
+      </a:accent4>
+      <a:accent5>
+        <a:srgbClr val="5B9BD5"/>
+      </a:accent5>
+      <a:accent6>
+        <a:srgbClr val="70AD47"/>
+      </a:accent6>
+      <a:hlink>
+        <a:srgbClr val="0563C1"/>
+      </a:hlink>
+      <a:folHlink>
+        <a:srgbClr val="954F72"/>
+      </a:folHlink>
+    </a:clrScheme>
+    <a:fontScheme name="Office">
+      <a:majorFont>
+        <a:latin typeface="Calibri Light" panose="020F0302020204030204"/>
+        <a:ea typeface=""/>
+        <a:cs typeface=""/>
+        <a:font script="Jpan" typeface="游ゴシック Light"/>
+        <a:font script="Hang" typeface="맑은 고딕"/>
+        <a:font script="Hans" typeface="等线 Light"/>
+        <a:font script="Hant" typeface="新細明體"/>
+        <a:font script="Arab" typeface="Times New Roman"/>
+        <a:font script="Hebr" typeface="Times New Roman"/>
+        <a:font script="Thai" typeface="Angsana New"/>
+        <a:font script="Ethi" typeface="Nyala"/>
+        <a:font script="Beng" typeface="Vrinda"/>
+        <a:font script="Gujr" typeface="Shruti"/>
+        <a:font script="Khmr" typeface="MoolBoran"/>
+        <a:font script="Knda" typeface="Tunga"/>
+        <a:font script="Guru" typeface="Raavi"/>
+        <a:font script="Cans" typeface="Euphemia"/>
+        <a:font script="Cher" typeface="Plantagenet Cherokee"/>
+        <a:font script="Yiii" typeface="Microsoft Yi Baiti"/>
+        <a:font script="Tibt" typeface="Microsoft Himalaya"/>
+        <a:font script="Thaa" typeface="MV Boli"/>
+        <a:font script="Deva" typeface="Mangal"/>
+        <a:font script="Telu" typeface="Gautami"/>
+        <a:font script="Taml" typeface="Latha"/>
+        <a:font script="Syrc" typeface="Estrangelo Edessa"/>
+        <a:font script="Orya" typeface="Kalinga"/>
+        <a:font script="Mlym" typeface="Kartika"/>
+        <a:font script="Laoo" typeface="DokChampa"/>
+        <a:font script="Sinh" typeface="Iskoola Pota"/>
+        <a:font script="Mong" typeface="Mongolian Baiti"/>
+        <a:font script="Viet" typeface="Times New Roman"/>
+        <a:font script="Uigh" typeface="Microsoft Uighur"/>
+        <a:font script="Geor" typeface="Sylfaen"/>
+        <a:font script="Armn" typeface="Arial"/>
+        <a:font script="Bugi" typeface="Leelawadee UI"/>
+        <a:font script="Bopo" typeface="Microsoft JhengHei"/>
+        <a:font script="Java" typeface="Javanese Text"/>
+        <a:font script="Lisu" typeface="Segoe UI"/>
+        <a:font script="Mymr" typeface="Myanmar Text"/>
+        <a:font script="Nkoo" typeface="Ebrima"/>
+        <a:font script="Olck" typeface="Nirmala UI"/>
+        <a:font script="Osma" typeface="Ebrima"/>
+        <a:font script="Phag" typeface="Phagspa"/>
+        <a:font script="Syrn" typeface="Estrangelo Edessa"/>
+        <a:font script="Syrj" typeface="Estrangelo Edessa"/>
+        <a:font script="Syre" typeface="Estrangelo Edessa"/>
+        <a:font script="Sora" typeface="Nirmala UI"/>
+        <a:font script="Tale" typeface="Microsoft Tai Le"/>
+        <a:font script="Talu" typeface="Microsoft New Tai Lue"/>
+        <a:font script="Tfng" typeface="Ebrima"/>
+      </a:majorFont>
+      <a:minorFont>
+        <a:latin typeface="Calibri" panose="020F0502020204030204"/>
+        <a:ea typeface=""/>
+        <a:cs typeface=""/>
+        <a:font script="Jpan" typeface="游ゴシック"/>
+        <a:font script="Hang" typeface="맑은 고딕"/>
+        <a:font script="Hans" typeface="等线"/>
+        <a:font script="Hant" typeface="新細明體"/>
+        <a:font script="Arab" typeface="Arial"/>
+        <a:font script="Hebr" typeface="Arial"/>
+        <a:font script="Thai" typeface="Cordia New"/>
+        <a:font script="Ethi" typeface="Nyala"/>
+        <a:font script="Beng" typeface="Vrinda"/>
+        <a:font script="Gujr" typeface="Shruti"/>
+        <a:font script="Khmr" typeface="DaunPenh"/>
+        <a:font script="Knda" typeface="Tunga"/>
+        <a:font script="Guru" typeface="Raavi"/>
+        <a:font script="Cans" typeface="Euphemia"/>
+        <a:font script="Cher" typeface="Plantagenet Cherokee"/>
+        <a:font script="Yiii" typeface="Microsoft Yi Baiti"/>
+        <a:font script="Tibt" typeface="Microsoft Himalaya"/>
+        <a:font script="Thaa" typeface="MV Boli"/>
+        <a:font script="Deva" typeface="Mangal"/>
+        <a:font script="Telu" typeface="Gautami"/>
+        <a:font script="Taml" typeface="Latha"/>
+        <a:font script="Syrc" typeface="Estrangelo Edessa"/>
+        <a:font script="Orya" typeface="Kalinga"/>
+        <a:font script="Mlym" typeface="Kartika"/>
+        <a:font script="Laoo" typeface="DokChampa"/>
+        <a:font script="Sinh" typeface="Iskoola Pota"/>
+        <a:font script="Mong" typeface="Mongolian Baiti"/>
+        <a:font script="Viet" typeface="Arial"/>
+        <a:font script="Uigh" typeface="Microsoft Uighur"/>
+        <a:font script="Geor" typeface="Sylfaen"/>
+        <a:font script="Armn" typeface="Arial"/>
+        <a:font script="Bugi" typeface="Leelawadee UI"/>
+        <a:font script="Bopo" typeface="Microsoft JhengHei"/>
+        <a:font script="Java" typeface="Javanese Text"/>
+        <a:font script="Lisu" typeface="Segoe UI"/>
+        <a:font script="Mymr" typeface="Myanmar Text"/>
+        <a:font script="Nkoo" typeface="Ebrima"/>
+        <a:font script="Olck" typeface="Nirmala UI"/>
+        <a:font script="Osma" typeface="Ebrima"/>
+        <a:font script="Phag" typeface="Phagspa"/>
+        <a:font script="Syrn" typeface="Estrangelo Edessa"/>
+        <a:font script="Syrj" typeface="Estrangelo Edessa"/>
+        <a:font script="Syre" typeface="Estrangelo Edessa"/>
+        <a:font script="Sora" typeface="Nirmala UI"/>
+        <a:font script="Tale" typeface="Microsoft Tai Le"/>
+        <a:font script="Talu" typeface="Microsoft New Tai Lue"/>
+        <a:font script="Tfng" typeface="Ebrima"/>
+      </a:minorFont>
+    </a:fontScheme>
+    <a:fmtScheme name="Office">
+      <a:fillStyleLst>
+        <a:solidFill>
+          <a:schemeClr val="phClr"/>
+        </a:solidFill>
+        <a:gradFill rotWithShape="1">
+          <a:gsLst>
+            <a:gs pos="0">
+              <a:schemeClr val="phClr">
+                <a:lumMod val="110000"/>
+                <a:satMod val="105000"/>
+                <a:tint val="67000"/>
+              </a:schemeClr>
+            </a:gs>
+            <a:gs pos="50000">
+              <a:schemeClr val="phClr">
+                <a:lumMod val="105000"/>
+                <a:satMod val="103000"/>
+                <a:tint val="73000"/>
+              </a:schemeClr>
+            </a:gs>
+            <a:gs pos="100000">
+              <a:schemeClr val="phClr">
+                <a:lumMod val="105000"/>
+                <a:satMod val="109000"/>
+                <a:tint val="81000"/>
+              </a:schemeClr>
+            </a:gs>
+          </a:gsLst>
+          <a:lin ang="5400000" scaled="0"/>
+        </a:gradFill>
+        <a:gradFill rotWithShape="1">
+          <a:gsLst>
+            <a:gs pos="0">
+              <a:schemeClr val="phClr">
+                <a:satMod val="103000"/>
+                <a:lumMod val="102000"/>
+                <a:tint val="94000"/>
+              </a:schemeClr>
+            </a:gs>
+            <a:gs pos="50000">
+              <a:schemeClr val="phClr">
+                <a:satMod val="110000"/>
+                <a:lumMod val="100000"/>
+                <a:shade val="100000"/>
+              </a:schemeClr>
+            </a:gs>
+            <a:gs pos="100000">
+              <a:schemeClr val="phClr">
+                <a:lumMod val="99000"/>
+                <a:satMod val="120000"/>
+                <a:shade val="78000"/>
+              </a:schemeClr>
+            </a:gs>
+          </a:gsLst>
+          <a:lin ang="5400000" scaled="0"/>
+        </a:gradFill>
+      </a:fillStyleLst>
+      <a:lnStyleLst>
+        <a:ln w="6350" cap="flat" cmpd="sng" algn="ctr">
+          <a:solidFill>
+            <a:schemeClr val="phClr"/>
+          </a:solidFill>
+          <a:prstDash val="solid"/>
+          <a:miter lim="800000"/>
+        </a:ln>
+        <a:ln w="12700" cap="flat" cmpd="sng" algn="ctr">
+          <a:solidFill>
+            <a:schemeClr val="phClr"/>
+          </a:solidFill>
+          <a:prstDash val="solid"/>
+          <a:miter lim="800000"/>
+        </a:ln>
+        <a:ln w="19050" cap="flat" cmpd="sng" algn="ctr">
+          <a:solidFill>
+            <a:schemeClr val="phClr"/>
+          </a:solidFill>
+          <a:prstDash val="solid"/>
+          <a:miter lim="800000"/>
+        </a:ln>
+      </a:lnStyleLst>
+      <a:effectStyleLst>
+        <a:effectStyle>
+          <a:effectLst/>
+        </a:effectStyle>
+        <a:effectStyle>
+          <a:effectLst/>
+        </a:effectStyle>
+        <a:effectStyle>
+          <a:effectLst>
+            <a:outerShdw blurRad="57150" dist="19050" dir="5400000" algn="ctr" rotWithShape="0">
+              <a:srgbClr val="000000">
+                <a:alpha val="63000"/>
+              </a:srgbClr>
+            </a:outerShdw>
+          </a:effectLst>
+        </a:effectStyle>
+      </a:effectStyleLst>
+      <a:bgFillStyleLst>
+        <a:solidFill>
+          <a:schemeClr val="phClr"/>
+        </a:solidFill>
+        <a:solidFill>
+          <a:schemeClr val="phClr">
+            <a:tint val="95000"/>
+            <a:satMod val="170000"/>
+          </a:schemeClr>
+        </a:solidFill>
+        <a:gradFill rotWithShape="1">
+          <a:gsLst>
+            <a:gs pos="0">
+              <a:schemeClr val="phClr">
+                <a:tint val="93000"/>
+                <a:satMod val="150000"/>
+                <a:shade val="98000"/>
+                <a:lumMod val="102000"/>
+              </a:schemeClr>
+            </a:gs>
+            <a:gs pos="50000">
+              <a:schemeClr val="phClr">
+                <a:tint val="98000"/>
+                <a:satMod val="130000"/>
+                <a:shade val="90000"/>
+                <a:lumMod val="103000"/>
+              </a:schemeClr>
+            </a:gs>
+            <a:gs pos="100000">
+              <a:schemeClr val="phClr">
+                <a:shade val="63000"/>
+                <a:satMod val="120000"/>
+              </a:schemeClr>
+            </a:gs>
+          </a:gsLst>
+          <a:lin ang="5400000" scaled="0"/>
+        </a:gradFill>
+      </a:bgFillStyleLst>
+    </a:fmtScheme>
+  </a:themeElements>
+  <a:objectDefaults/>
+  <a:extraClrSchemeLst/>
+  <a:extLst>
+    <a:ext uri="{05A4C25C-085E-4340-85A3-A5531E510DB2}">
+      <thm15:themeFamily xmlns:thm15="http://schemas.microsoft.com/office/thememl/2012/main" name="Office Theme" id="{62F939B6-93AF-4DB8-9C6B-D6C7DFDC589F}" vid="{4A3C46E8-61CC-4603-A589-7422A47A8E4A}"/>
+    </a:ext>
+  </a:extLst>
+</a:theme>
+</file>
+
 <file path=ppt/theme/themeOverride1.xml><?xml version="1.0" encoding="utf-8"?>
 <a:themeOverride xmlns:a="http://schemas.openxmlformats.org/drawingml/2006/main">
   <a:clrScheme name="Custom 41">
@@ -7360,21 +8112,21 @@
 </file>
 
 <file path=customXml/item1.xml><?xml version="1.0" encoding="utf-8"?>
+<p:properties xmlns:p="http://schemas.microsoft.com/office/2006/metadata/properties" xmlns:xsi="http://www.w3.org/2001/XMLSchema-instance" xmlns:pc="http://schemas.microsoft.com/office/infopath/2007/PartnerControls">
+  <documentManagement>
+    <Status xmlns="71af3243-3dd4-4a8d-8c0d-dd76da1f02a5">Not started</Status>
+    <MediaServiceKeyPoints xmlns="71af3243-3dd4-4a8d-8c0d-dd76da1f02a5" xsi:nil="true"/>
+  </documentManagement>
+</p:properties>
+</file>
+
+<file path=customXml/item2.xml><?xml version="1.0" encoding="utf-8"?>
 <?mso-contentType ?>
 <FormTemplates xmlns="http://schemas.microsoft.com/sharepoint/v3/contenttype/forms">
   <Display>DocumentLibraryForm</Display>
   <Edit>DocumentLibraryForm</Edit>
   <New>DocumentLibraryForm</New>
 </FormTemplates>
-</file>
-
-<file path=customXml/item2.xml><?xml version="1.0" encoding="utf-8"?>
-<p:properties xmlns:p="http://schemas.microsoft.com/office/2006/metadata/properties" xmlns:xsi="http://www.w3.org/2001/XMLSchema-instance" xmlns:pc="http://schemas.microsoft.com/office/infopath/2007/PartnerControls">
-  <documentManagement>
-    <Status xmlns="71af3243-3dd4-4a8d-8c0d-dd76da1f02a5">Not started</Status>
-    <MediaServiceKeyPoints xmlns="71af3243-3dd4-4a8d-8c0d-dd76da1f02a5" xsi:nil="true"/>
-  </documentManagement>
-</p:properties>
 </file>
 
 <file path=customXml/item3.xml><?xml version="1.0" encoding="utf-8"?>
@@ -7599,19 +8351,19 @@
 </file>
 
 <file path=customXml/itemProps1.xml><?xml version="1.0" encoding="utf-8"?>
-<ds:datastoreItem xmlns:ds="http://schemas.openxmlformats.org/officeDocument/2006/customXml" ds:itemID="{638A3B04-B0F3-4C12-A722-52B5CF6D9723}">
+<ds:datastoreItem xmlns:ds="http://schemas.openxmlformats.org/officeDocument/2006/customXml" ds:itemID="{4F5B1FD9-3BB6-4DA9-A089-3B68C2323D4F}">
   <ds:schemaRefs>
-    <ds:schemaRef ds:uri="http://schemas.microsoft.com/sharepoint/v3/contenttype/forms"/>
+    <ds:schemaRef ds:uri="http://schemas.microsoft.com/office/2006/metadata/properties"/>
+    <ds:schemaRef ds:uri="http://schemas.microsoft.com/office/infopath/2007/PartnerControls"/>
+    <ds:schemaRef ds:uri="71af3243-3dd4-4a8d-8c0d-dd76da1f02a5"/>
   </ds:schemaRefs>
 </ds:datastoreItem>
 </file>
 
 <file path=customXml/itemProps2.xml><?xml version="1.0" encoding="utf-8"?>
-<ds:datastoreItem xmlns:ds="http://schemas.openxmlformats.org/officeDocument/2006/customXml" ds:itemID="{4F5B1FD9-3BB6-4DA9-A089-3B68C2323D4F}">
+<ds:datastoreItem xmlns:ds="http://schemas.openxmlformats.org/officeDocument/2006/customXml" ds:itemID="{638A3B04-B0F3-4C12-A722-52B5CF6D9723}">
   <ds:schemaRefs>
-    <ds:schemaRef ds:uri="http://schemas.microsoft.com/office/2006/metadata/properties"/>
-    <ds:schemaRef ds:uri="http://schemas.microsoft.com/office/infopath/2007/PartnerControls"/>
-    <ds:schemaRef ds:uri="71af3243-3dd4-4a8d-8c0d-dd76da1f02a5"/>
+    <ds:schemaRef ds:uri="http://schemas.microsoft.com/sharepoint/v3/contenttype/forms"/>
   </ds:schemaRefs>
 </ds:datastoreItem>
 </file>
